--- a/9.29口腔护理(1)(1).pptx
+++ b/9.29口腔护理(1)(1).pptx
@@ -3,34 +3,34 @@
 <p:presentation xmlns:a="http://schemas.openxmlformats.org/drawingml/2006/main" xmlns:r="http://schemas.openxmlformats.org/officeDocument/2006/relationships" xmlns:p="http://schemas.openxmlformats.org/presentationml/2006/main">
   <p:sldMasterIdLst>
     <p:sldMasterId id="2147483648" r:id="rId1"/>
-    <p:sldMasterId id="2147483661" r:id="rId3"/>
+    <p:sldMasterId id="2147483661" r:id="rId2"/>
   </p:sldMasterIdLst>
   <p:notesMasterIdLst>
-    <p:notesMasterId r:id="rId5"/>
+    <p:notesMasterId r:id="rId17"/>
   </p:notesMasterIdLst>
   <p:handoutMasterIdLst>
-    <p:handoutMasterId r:id="rId19"/>
+    <p:handoutMasterId r:id="rId18"/>
   </p:handoutMasterIdLst>
   <p:sldIdLst>
-    <p:sldId id="1002" r:id="rId4"/>
-    <p:sldId id="1007" r:id="rId6"/>
-    <p:sldId id="1216" r:id="rId7"/>
-    <p:sldId id="1157" r:id="rId8"/>
-    <p:sldId id="1026" r:id="rId9"/>
-    <p:sldId id="1210" r:id="rId10"/>
-    <p:sldId id="1177" r:id="rId11"/>
-    <p:sldId id="1179" r:id="rId12"/>
-    <p:sldId id="1217" r:id="rId13"/>
-    <p:sldId id="1220" r:id="rId14"/>
-    <p:sldId id="1219" r:id="rId15"/>
-    <p:sldId id="1211" r:id="rId16"/>
-    <p:sldId id="1212" r:id="rId17"/>
-    <p:sldId id="1005" r:id="rId18"/>
+    <p:sldId id="1002" r:id="rId3"/>
+    <p:sldId id="1007" r:id="rId4"/>
+    <p:sldId id="1216" r:id="rId5"/>
+    <p:sldId id="1157" r:id="rId6"/>
+    <p:sldId id="1026" r:id="rId7"/>
+    <p:sldId id="1210" r:id="rId8"/>
+    <p:sldId id="1177" r:id="rId9"/>
+    <p:sldId id="1179" r:id="rId10"/>
+    <p:sldId id="1217" r:id="rId11"/>
+    <p:sldId id="1220" r:id="rId12"/>
+    <p:sldId id="1219" r:id="rId13"/>
+    <p:sldId id="1211" r:id="rId14"/>
+    <p:sldId id="1212" r:id="rId15"/>
+    <p:sldId id="1005" r:id="rId16"/>
   </p:sldIdLst>
   <p:sldSz cx="12192000" cy="6858000"/>
   <p:notesSz cx="6858000" cy="9144000"/>
   <p:custDataLst>
-    <p:tags r:id="rId24"/>
+    <p:tags r:id="rId19"/>
   </p:custDataLst>
   <p:defaultTextStyle>
     <a:defPPr>
@@ -136,19 +136,25 @@
             <p14:sldId id="1007"/>
             <p14:sldId id="1216"/>
             <p14:sldId id="1157"/>
+            <p14:sldId id="1026"/>
             <p14:sldId id="1210"/>
-            <p14:sldId id="1212"/>
-            <p14:sldId id="1005"/>
-            <p14:sldId id="1211"/>
             <p14:sldId id="1177"/>
             <p14:sldId id="1179"/>
             <p14:sldId id="1217"/>
             <p14:sldId id="1220"/>
             <p14:sldId id="1219"/>
-            <p14:sldId id="1026"/>
+            <p14:sldId id="1211"/>
+            <p14:sldId id="1212"/>
+            <p14:sldId id="1005"/>
           </p14:sldIdLst>
         </p14:section>
       </p14:sectionLst>
+    </p:ext>
+    <p:ext uri="{EFAFB233-063F-42B5-8137-9DF3F51BA10A}">
+      <p15:sldGuideLst xmlns:p15="http://schemas.microsoft.com/office/powerpoint/2012/main"/>
+    </p:ext>
+    <p:ext uri="{2D200454-40CA-4A62-9FC3-DE9A4176ACB9}">
+      <p15:notesGuideLst xmlns:p15="http://schemas.microsoft.com/office/powerpoint/2012/main"/>
     </p:ext>
   </p:extLst>
 </p:presentation>
@@ -960,7 +966,7 @@
         </a:p>
       </dgm:t>
     </dgm:pt>
-    <dgm:pt modelId="{702F6268-E14C-45D5-8115-297DAA4B759C}" cxnId="{986EFE71-B583-4B2D-AE94-72686454CD17}" type="parTrans">
+    <dgm:pt modelId="{702F6268-E14C-45D5-8115-297DAA4B759C}" type="parTrans" cxnId="{986EFE71-B583-4B2D-AE94-72686454CD17}">
       <dgm:prSet/>
       <dgm:spPr/>
       <dgm:t>
@@ -971,7 +977,7 @@
         </a:p>
       </dgm:t>
     </dgm:pt>
-    <dgm:pt modelId="{981E424B-A63B-4DF7-BC97-1D5B2B7044B1}" cxnId="{986EFE71-B583-4B2D-AE94-72686454CD17}" type="sibTrans">
+    <dgm:pt modelId="{981E424B-A63B-4DF7-BC97-1D5B2B7044B1}" type="sibTrans" cxnId="{986EFE71-B583-4B2D-AE94-72686454CD17}">
       <dgm:prSet/>
       <dgm:spPr/>
       <dgm:t>
@@ -1013,7 +1019,7 @@
         </a:p>
       </dgm:t>
     </dgm:pt>
-    <dgm:pt modelId="{DCA1BD93-FD98-4A06-8ECE-28E6935BECED}" cxnId="{FFF11D56-B209-4B8D-ABDD-5DEADECEB5A1}" type="parTrans">
+    <dgm:pt modelId="{DCA1BD93-FD98-4A06-8ECE-28E6935BECED}" type="parTrans" cxnId="{FFF11D56-B209-4B8D-ABDD-5DEADECEB5A1}">
       <dgm:prSet/>
       <dgm:spPr/>
       <dgm:t>
@@ -1024,7 +1030,7 @@
         </a:p>
       </dgm:t>
     </dgm:pt>
-    <dgm:pt modelId="{69748832-ECC5-4F63-A6AC-8504A7E906B9}" cxnId="{FFF11D56-B209-4B8D-ABDD-5DEADECEB5A1}" type="sibTrans">
+    <dgm:pt modelId="{69748832-ECC5-4F63-A6AC-8504A7E906B9}" type="sibTrans" cxnId="{FFF11D56-B209-4B8D-ABDD-5DEADECEB5A1}">
       <dgm:prSet/>
       <dgm:spPr/>
       <dgm:t>
@@ -1066,7 +1072,7 @@
         </a:p>
       </dgm:t>
     </dgm:pt>
-    <dgm:pt modelId="{0D3844BD-A934-4ADF-8CEC-4B7101CACCC9}" cxnId="{63EA7E92-BA8F-4E39-A9D3-E8B043BE6A86}" type="parTrans">
+    <dgm:pt modelId="{0D3844BD-A934-4ADF-8CEC-4B7101CACCC9}" type="parTrans" cxnId="{63EA7E92-BA8F-4E39-A9D3-E8B043BE6A86}">
       <dgm:prSet/>
       <dgm:spPr/>
       <dgm:t>
@@ -1077,7 +1083,7 @@
         </a:p>
       </dgm:t>
     </dgm:pt>
-    <dgm:pt modelId="{FC59B45A-A616-4E16-B98F-7EBC1D5DDF85}" cxnId="{63EA7E92-BA8F-4E39-A9D3-E8B043BE6A86}" type="sibTrans">
+    <dgm:pt modelId="{FC59B45A-A616-4E16-B98F-7EBC1D5DDF85}" type="sibTrans" cxnId="{63EA7E92-BA8F-4E39-A9D3-E8B043BE6A86}">
       <dgm:prSet/>
       <dgm:spPr/>
       <dgm:t>
@@ -1227,7 +1233,7 @@
   <dgm:whole/>
   <dgm:extLst>
     <a:ext uri="http://schemas.microsoft.com/office/drawing/2008/diagram">
-      <dsp:dataModelExt xmlns:dsp="http://schemas.microsoft.com/office/drawing/2008/diagram" relId="rId5" minVer="http://schemas.openxmlformats.org/drawingml/2006/diagram"/>
+      <dsp:dataModelExt xmlns:dsp="http://schemas.microsoft.com/office/drawing/2008/diagram" relId="rId7" minVer="http://schemas.openxmlformats.org/drawingml/2006/diagram"/>
     </a:ext>
   </dgm:extLst>
 </dgm:dataModel>
@@ -1889,6 +1895,7 @@
       <a:camera prst="orthographicFront"/>
       <a:lightRig rig="threePt" dir="t"/>
     </dgm:scene3d>
+    <dgm:sp3d/>
     <dgm:txPr/>
     <dgm:style>
       <a:lnRef idx="2">
@@ -1908,6 +1915,7 @@
       <a:camera prst="orthographicFront"/>
       <a:lightRig rig="threePt" dir="t"/>
     </dgm:scene3d>
+    <dgm:sp3d/>
     <dgm:txPr/>
     <dgm:style>
       <a:lnRef idx="2">
@@ -1927,6 +1935,7 @@
       <a:camera prst="orthographicFront"/>
       <a:lightRig rig="threePt" dir="t"/>
     </dgm:scene3d>
+    <dgm:sp3d/>
     <dgm:txPr/>
     <dgm:style>
       <a:lnRef idx="2">
@@ -1946,6 +1955,7 @@
       <a:camera prst="orthographicFront"/>
       <a:lightRig rig="threePt" dir="t"/>
     </dgm:scene3d>
+    <dgm:sp3d/>
     <dgm:txPr/>
     <dgm:style>
       <a:lnRef idx="2">
@@ -1967,6 +1977,7 @@
       <a:camera prst="orthographicFront"/>
       <a:lightRig rig="threePt" dir="t"/>
     </dgm:scene3d>
+    <dgm:sp3d/>
     <dgm:txPr/>
     <dgm:style>
       <a:lnRef idx="2">
@@ -1988,6 +1999,7 @@
       <a:camera prst="orthographicFront"/>
       <a:lightRig rig="threePt" dir="t"/>
     </dgm:scene3d>
+    <dgm:sp3d/>
     <dgm:txPr/>
     <dgm:style>
       <a:lnRef idx="2">
@@ -2009,6 +2021,7 @@
       <a:camera prst="orthographicFront"/>
       <a:lightRig rig="threePt" dir="t"/>
     </dgm:scene3d>
+    <dgm:sp3d/>
     <dgm:txPr/>
     <dgm:style>
       <a:lnRef idx="2">
@@ -2030,6 +2043,7 @@
       <a:camera prst="orthographicFront"/>
       <a:lightRig rig="threePt" dir="t"/>
     </dgm:scene3d>
+    <dgm:sp3d/>
     <dgm:txPr/>
     <dgm:style>
       <a:lnRef idx="2">
@@ -2051,6 +2065,7 @@
       <a:camera prst="orthographicFront"/>
       <a:lightRig rig="threePt" dir="t"/>
     </dgm:scene3d>
+    <dgm:sp3d/>
     <dgm:txPr/>
     <dgm:style>
       <a:lnRef idx="2">
@@ -2072,6 +2087,7 @@
       <a:camera prst="orthographicFront"/>
       <a:lightRig rig="threePt" dir="t"/>
     </dgm:scene3d>
+    <dgm:sp3d/>
     <dgm:txPr/>
     <dgm:style>
       <a:lnRef idx="2">
@@ -2091,6 +2107,7 @@
       <a:camera prst="orthographicFront"/>
       <a:lightRig rig="threePt" dir="t"/>
     </dgm:scene3d>
+    <dgm:sp3d/>
     <dgm:txPr/>
     <dgm:style>
       <a:lnRef idx="2">
@@ -2110,6 +2127,7 @@
       <a:camera prst="orthographicFront"/>
       <a:lightRig rig="threePt" dir="t"/>
     </dgm:scene3d>
+    <dgm:sp3d/>
     <dgm:txPr/>
     <dgm:style>
       <a:lnRef idx="2">
@@ -2129,6 +2147,7 @@
       <a:camera prst="orthographicFront"/>
       <a:lightRig rig="threePt" dir="t"/>
     </dgm:scene3d>
+    <dgm:sp3d/>
     <dgm:txPr/>
     <dgm:style>
       <a:lnRef idx="0">
@@ -2148,6 +2167,7 @@
       <a:camera prst="orthographicFront"/>
       <a:lightRig rig="threePt" dir="t"/>
     </dgm:scene3d>
+    <dgm:sp3d/>
     <dgm:txPr/>
     <dgm:style>
       <a:lnRef idx="0">
@@ -2169,6 +2189,7 @@
       <a:camera prst="orthographicFront"/>
       <a:lightRig rig="threePt" dir="t"/>
     </dgm:scene3d>
+    <dgm:sp3d/>
     <dgm:txPr/>
     <dgm:style>
       <a:lnRef idx="2">
@@ -2188,6 +2209,7 @@
       <a:camera prst="orthographicFront"/>
       <a:lightRig rig="threePt" dir="t"/>
     </dgm:scene3d>
+    <dgm:sp3d/>
     <dgm:txPr/>
     <dgm:style>
       <a:lnRef idx="2">
@@ -2207,6 +2229,7 @@
       <a:camera prst="orthographicFront"/>
       <a:lightRig rig="threePt" dir="t"/>
     </dgm:scene3d>
+    <dgm:sp3d/>
     <dgm:txPr/>
     <dgm:style>
       <a:lnRef idx="0">
@@ -2226,6 +2249,7 @@
       <a:camera prst="orthographicFront"/>
       <a:lightRig rig="threePt" dir="t"/>
     </dgm:scene3d>
+    <dgm:sp3d/>
     <dgm:txPr/>
     <dgm:style>
       <a:lnRef idx="2">
@@ -2245,6 +2269,7 @@
       <a:camera prst="orthographicFront"/>
       <a:lightRig rig="threePt" dir="t"/>
     </dgm:scene3d>
+    <dgm:sp3d/>
     <dgm:txPr/>
     <dgm:style>
       <a:lnRef idx="2">
@@ -2264,6 +2289,7 @@
       <a:camera prst="orthographicFront"/>
       <a:lightRig rig="threePt" dir="t"/>
     </dgm:scene3d>
+    <dgm:sp3d/>
     <dgm:txPr/>
     <dgm:style>
       <a:lnRef idx="2">
@@ -2283,6 +2309,7 @@
       <a:camera prst="orthographicFront"/>
       <a:lightRig rig="threePt" dir="t"/>
     </dgm:scene3d>
+    <dgm:sp3d/>
     <dgm:txPr/>
     <dgm:style>
       <a:lnRef idx="2">
@@ -2302,6 +2329,7 @@
       <a:camera prst="orthographicFront"/>
       <a:lightRig rig="threePt" dir="t"/>
     </dgm:scene3d>
+    <dgm:sp3d/>
     <dgm:txPr/>
     <dgm:style>
       <a:lnRef idx="2">
@@ -2321,6 +2349,7 @@
       <a:camera prst="orthographicFront"/>
       <a:lightRig rig="threePt" dir="t"/>
     </dgm:scene3d>
+    <dgm:sp3d/>
     <dgm:txPr/>
     <dgm:style>
       <a:lnRef idx="2">
@@ -2340,6 +2369,7 @@
       <a:camera prst="orthographicFront"/>
       <a:lightRig rig="threePt" dir="t"/>
     </dgm:scene3d>
+    <dgm:sp3d/>
     <dgm:txPr/>
     <dgm:style>
       <a:lnRef idx="2">
@@ -2359,6 +2389,7 @@
       <a:camera prst="orthographicFront"/>
       <a:lightRig rig="threePt" dir="t"/>
     </dgm:scene3d>
+    <dgm:sp3d/>
     <dgm:txPr/>
     <dgm:style>
       <a:lnRef idx="2">
@@ -2378,6 +2409,7 @@
       <a:camera prst="orthographicFront"/>
       <a:lightRig rig="threePt" dir="t"/>
     </dgm:scene3d>
+    <dgm:sp3d/>
     <dgm:txPr/>
     <dgm:style>
       <a:lnRef idx="0">
@@ -2399,6 +2431,7 @@
       <a:camera prst="orthographicFront"/>
       <a:lightRig rig="threePt" dir="t"/>
     </dgm:scene3d>
+    <dgm:sp3d/>
     <dgm:txPr/>
     <dgm:style>
       <a:lnRef idx="2">
@@ -2420,6 +2453,7 @@
       <a:camera prst="orthographicFront"/>
       <a:lightRig rig="threePt" dir="t"/>
     </dgm:scene3d>
+    <dgm:sp3d/>
     <dgm:txPr/>
     <dgm:style>
       <a:lnRef idx="2">
@@ -2441,6 +2475,7 @@
       <a:camera prst="orthographicFront"/>
       <a:lightRig rig="threePt" dir="t"/>
     </dgm:scene3d>
+    <dgm:sp3d/>
     <dgm:txPr/>
     <dgm:style>
       <a:lnRef idx="2">
@@ -2462,6 +2497,7 @@
       <a:camera prst="orthographicFront"/>
       <a:lightRig rig="threePt" dir="t"/>
     </dgm:scene3d>
+    <dgm:sp3d/>
     <dgm:txPr/>
     <dgm:style>
       <a:lnRef idx="2">
@@ -2483,6 +2519,7 @@
       <a:camera prst="orthographicFront"/>
       <a:lightRig rig="threePt" dir="t"/>
     </dgm:scene3d>
+    <dgm:sp3d/>
     <dgm:txPr/>
     <dgm:style>
       <a:lnRef idx="2">
@@ -2504,6 +2541,7 @@
       <a:camera prst="orthographicFront"/>
       <a:lightRig rig="threePt" dir="t"/>
     </dgm:scene3d>
+    <dgm:sp3d/>
     <dgm:txPr/>
     <dgm:style>
       <a:lnRef idx="2">
@@ -2525,6 +2563,7 @@
       <a:camera prst="orthographicFront"/>
       <a:lightRig rig="threePt" dir="t"/>
     </dgm:scene3d>
+    <dgm:sp3d/>
     <dgm:txPr/>
     <dgm:style>
       <a:lnRef idx="2">
@@ -2544,6 +2583,7 @@
       <a:camera prst="orthographicFront"/>
       <a:lightRig rig="threePt" dir="t"/>
     </dgm:scene3d>
+    <dgm:sp3d/>
     <dgm:txPr/>
     <dgm:style>
       <a:lnRef idx="2">
@@ -2563,6 +2603,7 @@
       <a:camera prst="orthographicFront"/>
       <a:lightRig rig="threePt" dir="t"/>
     </dgm:scene3d>
+    <dgm:sp3d/>
     <dgm:txPr/>
     <dgm:style>
       <a:lnRef idx="2">
@@ -2582,6 +2623,7 @@
       <a:camera prst="orthographicFront"/>
       <a:lightRig rig="threePt" dir="t"/>
     </dgm:scene3d>
+    <dgm:sp3d/>
     <dgm:txPr/>
     <dgm:style>
       <a:lnRef idx="2">
@@ -2601,6 +2643,7 @@
       <a:camera prst="orthographicFront"/>
       <a:lightRig rig="threePt" dir="t"/>
     </dgm:scene3d>
+    <dgm:sp3d/>
     <dgm:txPr/>
     <dgm:style>
       <a:lnRef idx="2">
@@ -2622,6 +2665,7 @@
       <a:camera prst="orthographicFront"/>
       <a:lightRig rig="threePt" dir="t"/>
     </dgm:scene3d>
+    <dgm:sp3d/>
     <dgm:txPr/>
     <dgm:style>
       <a:lnRef idx="2">
@@ -2643,6 +2687,7 @@
       <a:camera prst="orthographicFront"/>
       <a:lightRig rig="threePt" dir="t"/>
     </dgm:scene3d>
+    <dgm:sp3d/>
     <dgm:txPr/>
     <dgm:style>
       <a:lnRef idx="2">
@@ -2664,6 +2709,7 @@
       <a:camera prst="orthographicFront"/>
       <a:lightRig rig="threePt" dir="t"/>
     </dgm:scene3d>
+    <dgm:sp3d/>
     <dgm:txPr/>
     <dgm:style>
       <a:lnRef idx="2">
@@ -2685,6 +2731,7 @@
       <a:camera prst="orthographicFront"/>
       <a:lightRig rig="threePt" dir="t"/>
     </dgm:scene3d>
+    <dgm:sp3d/>
     <dgm:txPr/>
     <dgm:style>
       <a:lnRef idx="0">
@@ -2704,6 +2751,7 @@
       <a:camera prst="orthographicFront"/>
       <a:lightRig rig="threePt" dir="t"/>
     </dgm:scene3d>
+    <dgm:sp3d/>
     <dgm:txPr/>
     <dgm:style>
       <a:lnRef idx="1">
@@ -2723,6 +2771,7 @@
       <a:camera prst="orthographicFront"/>
       <a:lightRig rig="threePt" dir="t"/>
     </dgm:scene3d>
+    <dgm:sp3d/>
     <dgm:txPr/>
     <dgm:style>
       <a:lnRef idx="0">
@@ -2744,6 +2793,7 @@
       <a:camera prst="orthographicFront"/>
       <a:lightRig rig="threePt" dir="t"/>
     </dgm:scene3d>
+    <dgm:sp3d/>
     <dgm:txPr/>
     <dgm:style>
       <a:lnRef idx="2">
@@ -2763,6 +2813,7 @@
       <a:camera prst="orthographicFront"/>
       <a:lightRig rig="threePt" dir="t"/>
     </dgm:scene3d>
+    <dgm:sp3d/>
     <dgm:txPr/>
     <dgm:style>
       <a:lnRef idx="2">
@@ -2782,6 +2833,7 @@
       <a:camera prst="orthographicFront"/>
       <a:lightRig rig="threePt" dir="t"/>
     </dgm:scene3d>
+    <dgm:sp3d/>
     <dgm:txPr/>
     <dgm:style>
       <a:lnRef idx="2">
@@ -2801,6 +2853,7 @@
       <a:camera prst="orthographicFront"/>
       <a:lightRig rig="threePt" dir="t"/>
     </dgm:scene3d>
+    <dgm:sp3d/>
     <dgm:txPr/>
     <dgm:style>
       <a:lnRef idx="1">
@@ -2820,6 +2873,7 @@
       <a:camera prst="orthographicFront"/>
       <a:lightRig rig="threePt" dir="t"/>
     </dgm:scene3d>
+    <dgm:sp3d/>
     <dgm:txPr/>
     <dgm:style>
       <a:lnRef idx="0">
@@ -2839,6 +2893,7 @@
       <a:camera prst="orthographicFront"/>
       <a:lightRig rig="threePt" dir="t"/>
     </dgm:scene3d>
+    <dgm:sp3d/>
     <dgm:txPr/>
     <dgm:style>
       <a:lnRef idx="2">
@@ -2940,6 +2995,7 @@
           <a:p>
             <a:fld id="{D2B542ED-3BFA-4FDD-AD89-7408493C4C64}" type="datetimeFigureOut">
               <a:rPr lang="zh-CN" altLang="en-US" smtClean="0"/>
+              <a:t>2020/10/8</a:t>
             </a:fld>
             <a:endParaRPr lang="zh-CN" altLang="en-US"/>
           </a:p>
@@ -3005,12 +3061,18 @@
           <a:p>
             <a:fld id="{D8274A1E-0C5B-45C0-91DB-C9DAF9879EFE}" type="slidenum">
               <a:rPr lang="zh-CN" altLang="en-US" smtClean="0"/>
+              <a:t>‹#›</a:t>
             </a:fld>
             <a:endParaRPr lang="zh-CN" altLang="en-US"/>
           </a:p>
         </p:txBody>
       </p:sp>
     </p:spTree>
+    <p:extLst>
+      <p:ext uri="{BB962C8B-B14F-4D97-AF65-F5344CB8AC3E}">
+        <p14:creationId xmlns:p14="http://schemas.microsoft.com/office/powerpoint/2010/main" val="1"/>
+      </p:ext>
+    </p:extLst>
   </p:cSld>
   <p:clrMap bg1="lt1" tx1="dk1" bg2="lt2" tx2="dk2" accent1="accent1" accent2="accent2" accent3="accent3" accent4="accent4" accent5="accent5" accent6="accent6" hlink="hlink" folHlink="folHlink"/>
 </p:handoutMaster>
@@ -3098,6 +3160,7 @@
           <a:p>
             <a:fld id="{7DA699EB-6B6F-4303-84E5-698CBBF28AE0}" type="datetimeFigureOut">
               <a:rPr lang="zh-CN" altLang="en-US" smtClean="0"/>
+              <a:t>2020/10/8</a:t>
             </a:fld>
             <a:endParaRPr lang="zh-CN" altLang="en-US"/>
           </a:p>
@@ -3164,7 +3227,6 @@
               <a:rPr lang="zh-CN" altLang="en-US"/>
               <a:t>单击此处编辑母版文本样式</a:t>
             </a:r>
-            <a:endParaRPr lang="zh-CN" altLang="en-US"/>
           </a:p>
           <a:p>
             <a:pPr lvl="1"/>
@@ -3172,7 +3234,6 @@
               <a:rPr lang="zh-CN" altLang="en-US"/>
               <a:t>第二级</a:t>
             </a:r>
-            <a:endParaRPr lang="zh-CN" altLang="en-US"/>
           </a:p>
           <a:p>
             <a:pPr lvl="2"/>
@@ -3180,7 +3241,6 @@
               <a:rPr lang="zh-CN" altLang="en-US"/>
               <a:t>第三级</a:t>
             </a:r>
-            <a:endParaRPr lang="zh-CN" altLang="en-US"/>
           </a:p>
           <a:p>
             <a:pPr lvl="3"/>
@@ -3188,7 +3248,6 @@
               <a:rPr lang="zh-CN" altLang="en-US"/>
               <a:t>第四级</a:t>
             </a:r>
-            <a:endParaRPr lang="zh-CN" altLang="en-US"/>
           </a:p>
           <a:p>
             <a:pPr lvl="4"/>
@@ -3196,7 +3255,6 @@
               <a:rPr lang="zh-CN" altLang="en-US"/>
               <a:t>第五级</a:t>
             </a:r>
-            <a:endParaRPr lang="zh-CN" altLang="en-US"/>
           </a:p>
         </p:txBody>
       </p:sp>
@@ -3260,6 +3318,7 @@
           <a:p>
             <a:fld id="{7F1D5E53-1996-4A18-8378-BCF5C8046DA1}" type="slidenum">
               <a:rPr lang="zh-CN" altLang="en-US" smtClean="0"/>
+              <a:t>‹#›</a:t>
             </a:fld>
             <a:endParaRPr lang="zh-CN" altLang="en-US"/>
           </a:p>
@@ -3425,6 +3484,29 @@
               </a:rPr>
               <a:t>的相关内容。</a:t>
             </a:r>
+            <a:endParaRPr lang="en-US" altLang="zh-CN" dirty="0">
+              <a:solidFill>
+                <a:schemeClr val="accent4"/>
+              </a:solidFill>
+              <a:effectLst/>
+              <a:latin typeface="楷体" panose="02010609060101010101" charset="-122"/>
+              <a:ea typeface="楷体" panose="02010609060101010101" charset="-122"/>
+              <a:sym typeface="+mn-ea"/>
+            </a:endParaRPr>
+          </a:p>
+          <a:p>
+            <a:r>
+              <a:rPr lang="zh-CN" altLang="en-US">
+                <a:solidFill>
+                  <a:schemeClr val="accent4"/>
+                </a:solidFill>
+                <a:effectLst/>
+                <a:latin typeface="楷体" panose="02010609060101010101" charset="-122"/>
+                <a:ea typeface="楷体" panose="02010609060101010101" charset="-122"/>
+                <a:sym typeface="+mn-ea"/>
+              </a:rPr>
+              <a:t>修改测试</a:t>
+            </a:r>
             <a:endParaRPr lang="zh-CN" altLang="en-US" dirty="0">
               <a:solidFill>
                 <a:schemeClr val="accent4"/>
@@ -3465,6 +3547,7 @@
           <a:p>
             <a:fld id="{DA8C8EFA-96ED-4A18-B46D-8BDC030E3AF6}" type="slidenum">
               <a:rPr lang="zh-CN" altLang="en-US" smtClean="0"/>
+              <a:t>1</a:t>
             </a:fld>
             <a:endParaRPr lang="zh-CN" altLang="en-US" dirty="0"/>
           </a:p>
@@ -3552,18 +3635,6 @@
               </a:rPr>
               <a:t>最后一部分是注意事项</a:t>
             </a:r>
-            <a:endParaRPr lang="zh-CN" altLang="en-US" dirty="0">
-              <a:solidFill>
-                <a:schemeClr val="tx1">
-                  <a:lumMod val="75000"/>
-                  <a:lumOff val="25000"/>
-                </a:schemeClr>
-              </a:solidFill>
-              <a:latin typeface="楷体" panose="02010609060101010101" charset="-122"/>
-              <a:ea typeface="楷体" panose="02010609060101010101" charset="-122"/>
-              <a:cs typeface="+mn-ea"/>
-              <a:sym typeface="+mn-lt"/>
-            </a:endParaRPr>
           </a:p>
         </p:txBody>
       </p:sp>
@@ -3584,6 +3655,7 @@
           <a:p>
             <a:fld id="{DA8C8EFA-96ED-4A18-B46D-8BDC030E3AF6}" type="slidenum">
               <a:rPr lang="zh-CN" altLang="en-US" smtClean="0"/>
+              <a:t>12</a:t>
             </a:fld>
             <a:endParaRPr lang="zh-CN" altLang="en-US" dirty="0"/>
           </a:p>
@@ -3652,9 +3724,6 @@
               </a:rPr>
               <a:t>为防止不配合的儿童，我们可以准备吸引器，将吸引器接在海绵刷的一端，一边刷，一边吸引口腔内的水，以防儿童发生误咽。</a:t>
             </a:r>
-            <a:endParaRPr lang="zh-CN" altLang="en-US" dirty="0">
-              <a:sym typeface="+mn-ea"/>
-            </a:endParaRPr>
           </a:p>
           <a:p>
             <a:pPr algn="l">
@@ -3703,11 +3772,6 @@
               </a:rPr>
               <a:t>、</a:t>
             </a:r>
-            <a:endParaRPr lang="zh-CN" altLang="en-US" dirty="0">
-              <a:latin typeface="方正兰亭圆简体_准" panose="02000000000000000000" pitchFamily="2" charset="-122"/>
-              <a:ea typeface="方正兰亭圆简体_准" panose="02000000000000000000" pitchFamily="2" charset="-122"/>
-              <a:sym typeface="+mn-ea"/>
-            </a:endParaRPr>
           </a:p>
         </p:txBody>
       </p:sp>
@@ -3728,6 +3792,7 @@
           <a:p>
             <a:fld id="{DA8C8EFA-96ED-4A18-B46D-8BDC030E3AF6}" type="slidenum">
               <a:rPr lang="zh-CN" altLang="en-US" smtClean="0"/>
+              <a:t>13</a:t>
             </a:fld>
             <a:endParaRPr lang="zh-CN" altLang="en-US" dirty="0"/>
           </a:p>
@@ -3791,9 +3856,6 @@
               </a:rPr>
               <a:t>在这节课中，我们学习了口腔护理的相关内容，相信大家在练习之后会对这部分的内容有所掌握，那么这节课的内容就到这里了，我们下次再再见！</a:t>
             </a:r>
-            <a:endParaRPr lang="zh-CN" altLang="en-US" dirty="0">
-              <a:sym typeface="+mn-ea"/>
-            </a:endParaRPr>
           </a:p>
           <a:p>
             <a:endParaRPr lang="zh-CN" altLang="en-US" dirty="0"/>
@@ -3817,6 +3879,7 @@
           <a:p>
             <a:fld id="{DA8C8EFA-96ED-4A18-B46D-8BDC030E3AF6}" type="slidenum">
               <a:rPr lang="zh-CN" altLang="en-US" smtClean="0"/>
+              <a:t>14</a:t>
             </a:fld>
             <a:endParaRPr lang="zh-CN" altLang="en-US" dirty="0"/>
           </a:p>
@@ -3902,15 +3965,6 @@
               </a:rPr>
               <a:t>那我们为什么要进行口腔护理呢，其实就是为了保持口腔清洁、湿润、预防口腔感染等并发症。 </a:t>
             </a:r>
-            <a:endParaRPr lang="zh-CN" altLang="en-US" dirty="0">
-              <a:solidFill>
-                <a:schemeClr val="accent4"/>
-              </a:solidFill>
-              <a:effectLst/>
-              <a:latin typeface="楷体" panose="02010609060101010101" charset="-122"/>
-              <a:ea typeface="楷体" panose="02010609060101010101" charset="-122"/>
-              <a:sym typeface="+mn-ea"/>
-            </a:endParaRPr>
           </a:p>
           <a:p>
             <a:pPr marL="0" marR="0" indent="0" algn="l" defTabSz="914400" rtl="0" eaLnBrk="1" fontAlgn="auto" latinLnBrk="0" hangingPunct="1">
@@ -3941,15 +3995,6 @@
               </a:rPr>
               <a:t>我们从三个方面进行讲解，一是材料的准备、二是内容及步骤、三是注意事项，下面我们一一进行讲解</a:t>
             </a:r>
-            <a:endParaRPr lang="zh-CN" altLang="en-US" dirty="0">
-              <a:solidFill>
-                <a:schemeClr val="accent4"/>
-              </a:solidFill>
-              <a:effectLst/>
-              <a:latin typeface="楷体" panose="02010609060101010101" charset="-122"/>
-              <a:ea typeface="楷体" panose="02010609060101010101" charset="-122"/>
-              <a:sym typeface="+mn-ea"/>
-            </a:endParaRPr>
           </a:p>
           <a:p>
             <a:pPr marL="0" marR="0" indent="0" algn="l" defTabSz="914400" rtl="0" eaLnBrk="1" fontAlgn="auto" latinLnBrk="0" hangingPunct="1">
@@ -3989,6 +4034,7 @@
           <a:p>
             <a:fld id="{DA8C8EFA-96ED-4A18-B46D-8BDC030E3AF6}" type="slidenum">
               <a:rPr lang="zh-CN" altLang="en-US" smtClean="0"/>
+              <a:t>2</a:t>
             </a:fld>
             <a:endParaRPr lang="zh-CN" altLang="en-US" dirty="0"/>
           </a:p>
@@ -4011,11 +4057,20 @@
         <p:cNvGrpSpPr/>
         <p:nvPr/>
       </p:nvGrpSpPr>
-      <p:grpSpPr/>
+      <p:grpSpPr>
+        <a:xfrm>
+          <a:off x="0" y="0"/>
+          <a:ext cx="0" cy="0"/>
+          <a:chOff x="0" y="0"/>
+          <a:chExt cx="0" cy="0"/>
+        </a:xfrm>
+      </p:grpSpPr>
       <p:sp>
         <p:nvSpPr>
           <p:cNvPr id="2" name="幻灯片图像占位符 1"/>
-          <p:cNvSpPr/>
+          <p:cNvSpPr>
+            <a:spLocks noGrp="1" noRot="1" noChangeAspect="1"/>
+          </p:cNvSpPr>
           <p:nvPr>
             <p:ph type="sldImg" idx="2"/>
           </p:nvPr>
@@ -4025,7 +4080,9 @@
       <p:sp>
         <p:nvSpPr>
           <p:cNvPr id="3" name="文本占位符 2"/>
-          <p:cNvSpPr/>
+          <p:cNvSpPr>
+            <a:spLocks noGrp="1"/>
+          </p:cNvSpPr>
           <p:nvPr>
             <p:ph type="body" idx="3"/>
           </p:nvPr>
@@ -4033,12 +4090,12 @@
         <p:spPr/>
         <p:txBody>
           <a:bodyPr/>
+          <a:lstStyle/>
           <a:p>
             <a:r>
               <a:rPr lang="zh-CN" altLang="en-US"/>
               <a:t>口腔环境与整体健康密切相关。口腔内部是温度，水和营养成分容易滋生的细菌的地方。据说，即使健康的人，口腔中也总是有600多种细菌。</a:t>
             </a:r>
-            <a:endParaRPr lang="zh-CN" altLang="en-US"/>
           </a:p>
         </p:txBody>
       </p:sp>
@@ -4113,7 +4170,6 @@
               <a:rPr lang="zh-CN" altLang="en-US" dirty="0"/>
               <a:t>首先我们来看看口腔护理都需要哪些材料。</a:t>
             </a:r>
-            <a:endParaRPr lang="zh-CN" altLang="en-US" dirty="0"/>
           </a:p>
         </p:txBody>
       </p:sp>
@@ -4134,6 +4190,7 @@
           <a:p>
             <a:fld id="{DA8C8EFA-96ED-4A18-B46D-8BDC030E3AF6}" type="slidenum">
               <a:rPr lang="zh-CN" altLang="en-US" smtClean="0"/>
+              <a:t>4</a:t>
             </a:fld>
             <a:endParaRPr lang="zh-CN" altLang="en-US" dirty="0"/>
           </a:p>
@@ -4269,6 +4326,7 @@
           <a:p>
             <a:fld id="{DA8C8EFA-96ED-4A18-B46D-8BDC030E3AF6}" type="slidenum">
               <a:rPr lang="zh-CN" altLang="en-US" smtClean="0"/>
+              <a:t>5</a:t>
             </a:fld>
             <a:endParaRPr lang="zh-CN" altLang="en-US" dirty="0"/>
           </a:p>
@@ -4356,18 +4414,6 @@
               </a:rPr>
               <a:t>下面我们来看第二部分，体位及步骤。</a:t>
             </a:r>
-            <a:endParaRPr lang="zh-CN" altLang="en-US" dirty="0">
-              <a:solidFill>
-                <a:schemeClr val="tx1">
-                  <a:lumMod val="75000"/>
-                  <a:lumOff val="25000"/>
-                </a:schemeClr>
-              </a:solidFill>
-              <a:latin typeface="楷体" panose="02010609060101010101" charset="-122"/>
-              <a:ea typeface="楷体" panose="02010609060101010101" charset="-122"/>
-              <a:cs typeface="+mn-ea"/>
-              <a:sym typeface="+mn-lt"/>
-            </a:endParaRPr>
           </a:p>
         </p:txBody>
       </p:sp>
@@ -4388,6 +4434,7 @@
           <a:p>
             <a:fld id="{DA8C8EFA-96ED-4A18-B46D-8BDC030E3AF6}" type="slidenum">
               <a:rPr lang="zh-CN" altLang="en-US" smtClean="0"/>
+              <a:t>6</a:t>
             </a:fld>
             <a:endParaRPr lang="zh-CN" altLang="en-US" dirty="0"/>
           </a:p>
@@ -4516,11 +4563,6 @@
               </a:rPr>
               <a:t>度角，头下垫枕头保持头微屈曲。</a:t>
             </a:r>
-            <a:endParaRPr lang="zh-CN" altLang="en-US" dirty="0">
-              <a:latin typeface="微软雅黑" panose="020B0503020204020204" charset="-122"/>
-              <a:ea typeface="微软雅黑" panose="020B0503020204020204" charset="-122"/>
-              <a:sym typeface="+mn-ea"/>
-            </a:endParaRPr>
           </a:p>
           <a:p>
             <a:pPr marL="0" marR="0" indent="0" algn="l" defTabSz="914400" rtl="0" eaLnBrk="1" fontAlgn="auto" latinLnBrk="0" hangingPunct="1">
@@ -4564,6 +4606,7 @@
           <a:p>
             <a:fld id="{DA8C8EFA-96ED-4A18-B46D-8BDC030E3AF6}" type="slidenum">
               <a:rPr lang="zh-CN" altLang="en-US" smtClean="0"/>
+              <a:t>7</a:t>
             </a:fld>
             <a:endParaRPr lang="zh-CN" altLang="en-US" dirty="0"/>
           </a:p>
@@ -4633,10 +4676,6 @@
               </a:rPr>
               <a:t>对于操作步骤，我们从七个步骤进行讲解，第一步是检查，检查儿童口腔有无溃疡，血肿；</a:t>
             </a:r>
-            <a:endParaRPr lang="zh-CN" altLang="en-US" dirty="0">
-              <a:latin typeface="方正兰亭圆简体_准" panose="02000000000000000000" pitchFamily="2" charset="-122"/>
-              <a:ea typeface="方正兰亭圆简体_准" panose="02000000000000000000" pitchFamily="2" charset="-122"/>
-            </a:endParaRPr>
           </a:p>
           <a:p>
             <a:pPr algn="l">
@@ -4651,10 +4690,6 @@
               </a:rPr>
               <a:t>第二步是工具清洁，用杯子内的清水清洗牙刷，舌刷及海棉刷；</a:t>
             </a:r>
-            <a:endParaRPr lang="zh-CN" altLang="en-US" dirty="0">
-              <a:latin typeface="方正兰亭圆简体_准" panose="02000000000000000000" pitchFamily="2" charset="-122"/>
-              <a:ea typeface="方正兰亭圆简体_准" panose="02000000000000000000" pitchFamily="2" charset="-122"/>
-            </a:endParaRPr>
           </a:p>
           <a:p>
             <a:pPr algn="l">
@@ -4669,10 +4704,6 @@
               </a:rPr>
               <a:t>第三步是牙齿的清洁：用软毛牙刷蘸漱口水逐一清洁上下牙齿。</a:t>
             </a:r>
-            <a:endParaRPr lang="zh-CN" altLang="en-US" dirty="0">
-              <a:latin typeface="方正兰亭圆简体_准" panose="02000000000000000000" pitchFamily="2" charset="-122"/>
-              <a:ea typeface="方正兰亭圆简体_准" panose="02000000000000000000" pitchFamily="2" charset="-122"/>
-            </a:endParaRPr>
           </a:p>
           <a:p>
             <a:pPr algn="l">
@@ -4687,10 +4718,6 @@
               </a:rPr>
               <a:t>第四步是口腔前庭清洁：用海绵刷蘸漱口水清洁上下口腔前庭；</a:t>
             </a:r>
-            <a:endParaRPr lang="zh-CN" altLang="en-US" dirty="0">
-              <a:latin typeface="方正兰亭圆简体_准" panose="02000000000000000000" pitchFamily="2" charset="-122"/>
-              <a:ea typeface="方正兰亭圆简体_准" panose="02000000000000000000" pitchFamily="2" charset="-122"/>
-            </a:endParaRPr>
           </a:p>
           <a:p>
             <a:pPr algn="l">
@@ -4705,10 +4732,6 @@
               </a:rPr>
               <a:t>第五步是牙齿与舌之间的清洁：用海绵刷蘸漱口水清洁牙齿与舌之间；</a:t>
             </a:r>
-            <a:endParaRPr lang="zh-CN" altLang="en-US" dirty="0">
-              <a:latin typeface="方正兰亭圆简体_准" panose="02000000000000000000" pitchFamily="2" charset="-122"/>
-              <a:ea typeface="方正兰亭圆简体_准" panose="02000000000000000000" pitchFamily="2" charset="-122"/>
-            </a:endParaRPr>
           </a:p>
           <a:p>
             <a:pPr algn="l">
@@ -4723,10 +4746,6 @@
               </a:rPr>
               <a:t>第六步是舌头的清洁：用舌刷从内向外的清洁舌头；</a:t>
             </a:r>
-            <a:endParaRPr lang="zh-CN" altLang="en-US" dirty="0">
-              <a:latin typeface="方正兰亭圆简体_准" panose="02000000000000000000" pitchFamily="2" charset="-122"/>
-              <a:ea typeface="方正兰亭圆简体_准" panose="02000000000000000000" pitchFamily="2" charset="-122"/>
-            </a:endParaRPr>
           </a:p>
           <a:p>
             <a:pPr algn="l">
@@ -4741,10 +4760,6 @@
               </a:rPr>
               <a:t>第七步是上腭的清洁：用海绵刷从内向外的清洁上腭。</a:t>
             </a:r>
-            <a:endParaRPr lang="zh-CN" altLang="en-US" dirty="0">
-              <a:latin typeface="方正兰亭圆简体_准" panose="02000000000000000000" pitchFamily="2" charset="-122"/>
-              <a:ea typeface="方正兰亭圆简体_准" panose="02000000000000000000" pitchFamily="2" charset="-122"/>
-            </a:endParaRPr>
           </a:p>
         </p:txBody>
       </p:sp>
@@ -4765,6 +4780,7 @@
           <a:p>
             <a:fld id="{DA8C8EFA-96ED-4A18-B46D-8BDC030E3AF6}" type="slidenum">
               <a:rPr lang="zh-CN" altLang="en-US" smtClean="0"/>
+              <a:t>8</a:t>
             </a:fld>
             <a:endParaRPr lang="zh-CN" altLang="en-US" dirty="0"/>
           </a:p>
@@ -4787,11 +4803,20 @@
         <p:cNvGrpSpPr/>
         <p:nvPr/>
       </p:nvGrpSpPr>
-      <p:grpSpPr/>
+      <p:grpSpPr>
+        <a:xfrm>
+          <a:off x="0" y="0"/>
+          <a:ext cx="0" cy="0"/>
+          <a:chOff x="0" y="0"/>
+          <a:chExt cx="0" cy="0"/>
+        </a:xfrm>
+      </p:grpSpPr>
       <p:sp>
         <p:nvSpPr>
           <p:cNvPr id="2" name="幻灯片图像占位符 1"/>
-          <p:cNvSpPr/>
+          <p:cNvSpPr>
+            <a:spLocks noGrp="1" noRot="1" noChangeAspect="1"/>
+          </p:cNvSpPr>
           <p:nvPr>
             <p:ph type="sldImg" idx="2"/>
           </p:nvPr>
@@ -4801,7 +4826,9 @@
       <p:sp>
         <p:nvSpPr>
           <p:cNvPr id="3" name="文本占位符 2"/>
-          <p:cNvSpPr/>
+          <p:cNvSpPr>
+            <a:spLocks noGrp="1"/>
+          </p:cNvSpPr>
           <p:nvPr>
             <p:ph type="body" idx="3"/>
           </p:nvPr>
@@ -4809,6 +4836,7 @@
         <p:spPr/>
         <p:txBody>
           <a:bodyPr/>
+          <a:lstStyle/>
           <a:p>
             <a:endParaRPr lang="zh-CN" altLang="en-US"/>
           </a:p>
@@ -4867,7 +4895,6 @@
               <a:rPr lang="zh-CN" altLang="en-US"/>
               <a:t>单击此处编辑母版标题样式</a:t>
             </a:r>
-            <a:endParaRPr lang="zh-CN" altLang="en-US"/>
           </a:p>
         </p:txBody>
       </p:sp>
@@ -4932,7 +4959,6 @@
               <a:rPr lang="zh-CN" altLang="en-US"/>
               <a:t>单击此处编辑母版副标题样式</a:t>
             </a:r>
-            <a:endParaRPr lang="zh-CN" altLang="en-US"/>
           </a:p>
         </p:txBody>
       </p:sp>
@@ -4953,6 +4979,7 @@
           <a:p>
             <a:fld id="{33F432A0-6091-4609-935B-7D46325FF6E9}" type="datetimeFigureOut">
               <a:rPr lang="zh-CN" altLang="en-US" smtClean="0"/>
+              <a:t>2020/10/8</a:t>
             </a:fld>
             <a:endParaRPr lang="zh-CN" altLang="en-US"/>
           </a:p>
@@ -4994,6 +5021,7 @@
           <a:p>
             <a:fld id="{3B2DDF46-1073-4F21-A404-4017ABC854E6}" type="slidenum">
               <a:rPr lang="zh-CN" altLang="en-US" smtClean="0"/>
+              <a:t>‹#›</a:t>
             </a:fld>
             <a:endParaRPr lang="zh-CN" altLang="en-US"/>
           </a:p>
@@ -5043,7 +5071,6 @@
               <a:rPr lang="zh-CN" altLang="en-US"/>
               <a:t>单击此处编辑母版标题样式</a:t>
             </a:r>
-            <a:endParaRPr lang="zh-CN" altLang="en-US"/>
           </a:p>
         </p:txBody>
       </p:sp>
@@ -5067,7 +5094,6 @@
               <a:rPr lang="zh-CN" altLang="en-US"/>
               <a:t>单击此处编辑母版文本样式</a:t>
             </a:r>
-            <a:endParaRPr lang="zh-CN" altLang="en-US"/>
           </a:p>
           <a:p>
             <a:pPr lvl="1"/>
@@ -5075,7 +5101,6 @@
               <a:rPr lang="zh-CN" altLang="en-US"/>
               <a:t>二级</a:t>
             </a:r>
-            <a:endParaRPr lang="zh-CN" altLang="en-US"/>
           </a:p>
           <a:p>
             <a:pPr lvl="2"/>
@@ -5083,7 +5108,6 @@
               <a:rPr lang="zh-CN" altLang="en-US"/>
               <a:t>三级</a:t>
             </a:r>
-            <a:endParaRPr lang="zh-CN" altLang="en-US"/>
           </a:p>
           <a:p>
             <a:pPr lvl="3"/>
@@ -5091,7 +5115,6 @@
               <a:rPr lang="zh-CN" altLang="en-US"/>
               <a:t>四级</a:t>
             </a:r>
-            <a:endParaRPr lang="zh-CN" altLang="en-US"/>
           </a:p>
           <a:p>
             <a:pPr lvl="4"/>
@@ -5099,7 +5122,6 @@
               <a:rPr lang="zh-CN" altLang="en-US"/>
               <a:t>五级</a:t>
             </a:r>
-            <a:endParaRPr lang="zh-CN" altLang="en-US"/>
           </a:p>
         </p:txBody>
       </p:sp>
@@ -5120,6 +5142,7 @@
           <a:p>
             <a:fld id="{33F432A0-6091-4609-935B-7D46325FF6E9}" type="datetimeFigureOut">
               <a:rPr lang="zh-CN" altLang="en-US" smtClean="0"/>
+              <a:t>2020/10/8</a:t>
             </a:fld>
             <a:endParaRPr lang="zh-CN" altLang="en-US"/>
           </a:p>
@@ -5161,6 +5184,7 @@
           <a:p>
             <a:fld id="{3B2DDF46-1073-4F21-A404-4017ABC854E6}" type="slidenum">
               <a:rPr lang="zh-CN" altLang="en-US" smtClean="0"/>
+              <a:t>‹#›</a:t>
             </a:fld>
             <a:endParaRPr lang="zh-CN" altLang="en-US"/>
           </a:p>
@@ -5215,7 +5239,6 @@
               <a:rPr lang="zh-CN" altLang="en-US"/>
               <a:t>单击此处编辑母版标题样式</a:t>
             </a:r>
-            <a:endParaRPr lang="zh-CN" altLang="en-US"/>
           </a:p>
         </p:txBody>
       </p:sp>
@@ -5244,7 +5267,6 @@
               <a:rPr lang="zh-CN" altLang="en-US"/>
               <a:t>单击此处编辑母版文本样式</a:t>
             </a:r>
-            <a:endParaRPr lang="zh-CN" altLang="en-US"/>
           </a:p>
           <a:p>
             <a:pPr lvl="1"/>
@@ -5252,7 +5274,6 @@
               <a:rPr lang="zh-CN" altLang="en-US"/>
               <a:t>二级</a:t>
             </a:r>
-            <a:endParaRPr lang="zh-CN" altLang="en-US"/>
           </a:p>
           <a:p>
             <a:pPr lvl="2"/>
@@ -5260,7 +5281,6 @@
               <a:rPr lang="zh-CN" altLang="en-US"/>
               <a:t>三级</a:t>
             </a:r>
-            <a:endParaRPr lang="zh-CN" altLang="en-US"/>
           </a:p>
           <a:p>
             <a:pPr lvl="3"/>
@@ -5268,7 +5288,6 @@
               <a:rPr lang="zh-CN" altLang="en-US"/>
               <a:t>四级</a:t>
             </a:r>
-            <a:endParaRPr lang="zh-CN" altLang="en-US"/>
           </a:p>
           <a:p>
             <a:pPr lvl="4"/>
@@ -5276,7 +5295,6 @@
               <a:rPr lang="zh-CN" altLang="en-US"/>
               <a:t>五级</a:t>
             </a:r>
-            <a:endParaRPr lang="zh-CN" altLang="en-US"/>
           </a:p>
         </p:txBody>
       </p:sp>
@@ -5297,6 +5315,7 @@
           <a:p>
             <a:fld id="{33F432A0-6091-4609-935B-7D46325FF6E9}" type="datetimeFigureOut">
               <a:rPr lang="zh-CN" altLang="en-US" smtClean="0"/>
+              <a:t>2020/10/8</a:t>
             </a:fld>
             <a:endParaRPr lang="zh-CN" altLang="en-US"/>
           </a:p>
@@ -5338,6 +5357,7 @@
           <a:p>
             <a:fld id="{3B2DDF46-1073-4F21-A404-4017ABC854E6}" type="slidenum">
               <a:rPr lang="zh-CN" altLang="en-US" smtClean="0"/>
+              <a:t>‹#›</a:t>
             </a:fld>
             <a:endParaRPr lang="zh-CN" altLang="en-US"/>
           </a:p>
@@ -5373,13 +5393,13 @@
   <p:clrMapOvr>
     <a:masterClrMapping/>
   </p:clrMapOvr>
-  <mc:AlternateContent xmlns:mc="http://schemas.openxmlformats.org/markup-compatibility/2006">
-    <mc:Choice xmlns:p14="http://schemas.microsoft.com/office/powerpoint/2010/main" Requires="p14">
+  <mc:AlternateContent xmlns:mc="http://schemas.openxmlformats.org/markup-compatibility/2006" xmlns:p14="http://schemas.microsoft.com/office/powerpoint/2010/main">
+    <mc:Choice Requires="p14">
       <p:transition p14:dur="100" advClick="0" advTm="3000">
         <p:cut/>
       </p:transition>
     </mc:Choice>
-    <mc:Fallback>
+    <mc:Fallback xmlns="">
       <p:transition advClick="0" advTm="3000">
         <p:cut/>
       </p:transition>
@@ -5410,13 +5430,13 @@
   <p:clrMapOvr>
     <a:masterClrMapping/>
   </p:clrMapOvr>
-  <mc:AlternateContent xmlns:mc="http://schemas.openxmlformats.org/markup-compatibility/2006">
-    <mc:Choice xmlns:p14="http://schemas.microsoft.com/office/powerpoint/2010/main" Requires="p14">
+  <mc:AlternateContent xmlns:mc="http://schemas.openxmlformats.org/markup-compatibility/2006" xmlns:p14="http://schemas.microsoft.com/office/powerpoint/2010/main">
+    <mc:Choice Requires="p14">
       <p:transition p14:dur="100" advClick="0" advTm="3000">
         <p:cut/>
       </p:transition>
     </mc:Choice>
-    <mc:Fallback>
+    <mc:Fallback xmlns="">
       <p:transition advClick="0" advTm="3000">
         <p:cut/>
       </p:transition>
@@ -5475,7 +5495,6 @@
               <a:rPr lang="zh-CN" altLang="en-US" dirty="0"/>
               <a:t>单击此处编辑母版标题样式</a:t>
             </a:r>
-            <a:endParaRPr lang="zh-CN" altLang="en-US" dirty="0"/>
           </a:p>
         </p:txBody>
       </p:sp>
@@ -5484,13 +5503,13 @@
   <p:clrMapOvr>
     <a:masterClrMapping/>
   </p:clrMapOvr>
-  <mc:AlternateContent xmlns:mc="http://schemas.openxmlformats.org/markup-compatibility/2006">
-    <mc:Choice xmlns:p14="http://schemas.microsoft.com/office/powerpoint/2010/main" Requires="p14">
+  <mc:AlternateContent xmlns:mc="http://schemas.openxmlformats.org/markup-compatibility/2006" xmlns:p14="http://schemas.microsoft.com/office/powerpoint/2010/main">
+    <mc:Choice Requires="p14">
       <p:transition p14:dur="100" advClick="0" advTm="3000">
         <p:cut/>
       </p:transition>
     </mc:Choice>
-    <mc:Fallback>
+    <mc:Fallback xmlns="">
       <p:transition advClick="0" advTm="3000">
         <p:cut/>
       </p:transition>
@@ -5521,13 +5540,13 @@
   <p:clrMapOvr>
     <a:masterClrMapping/>
   </p:clrMapOvr>
-  <mc:AlternateContent xmlns:mc="http://schemas.openxmlformats.org/markup-compatibility/2006">
-    <mc:Choice xmlns:p14="http://schemas.microsoft.com/office/powerpoint/2010/main" Requires="p14">
+  <mc:AlternateContent xmlns:mc="http://schemas.openxmlformats.org/markup-compatibility/2006" xmlns:p14="http://schemas.microsoft.com/office/powerpoint/2010/main">
+    <mc:Choice Requires="p14">
       <p:transition p14:dur="100" advClick="0" advTm="3000">
         <p:cut/>
       </p:transition>
     </mc:Choice>
-    <mc:Fallback>
+    <mc:Fallback xmlns="">
       <p:transition advClick="0" advTm="3000">
         <p:cut/>
       </p:transition>
@@ -5597,13 +5616,13 @@
   <p:clrMapOvr>
     <a:masterClrMapping/>
   </p:clrMapOvr>
-  <mc:AlternateContent xmlns:mc="http://schemas.openxmlformats.org/markup-compatibility/2006">
-    <mc:Choice xmlns:p14="http://schemas.microsoft.com/office/powerpoint/2010/main" Requires="p14">
+  <mc:AlternateContent xmlns:mc="http://schemas.openxmlformats.org/markup-compatibility/2006" xmlns:p14="http://schemas.microsoft.com/office/powerpoint/2010/main">
+    <mc:Choice Requires="p14">
       <p:transition p14:dur="100" advClick="0" advTm="3000">
         <p:cut/>
       </p:transition>
     </mc:Choice>
-    <mc:Fallback>
+    <mc:Fallback xmlns="">
       <p:transition advClick="0" advTm="3000">
         <p:cut/>
       </p:transition>
@@ -5684,6 +5703,7 @@
                 <a:latin typeface="阿里巴巴普惠体" panose="00020600040101010101" pitchFamily="18" charset="-122"/>
                 <a:ea typeface="阿里巴巴普惠体" panose="00020600040101010101" pitchFamily="18" charset="-122"/>
               </a:rPr>
+              <a:t>‹#›</a:t>
             </a:fld>
             <a:endParaRPr lang="en-US" sz="2800" b="1" kern="1200" dirty="0">
               <a:solidFill>
@@ -5702,13 +5722,13 @@
   <p:clrMapOvr>
     <a:masterClrMapping/>
   </p:clrMapOvr>
-  <mc:AlternateContent xmlns:mc="http://schemas.openxmlformats.org/markup-compatibility/2006">
-    <mc:Choice xmlns:p14="http://schemas.microsoft.com/office/powerpoint/2010/main" Requires="p14">
+  <mc:AlternateContent xmlns:mc="http://schemas.openxmlformats.org/markup-compatibility/2006" xmlns:p14="http://schemas.microsoft.com/office/powerpoint/2010/main">
+    <mc:Choice Requires="p14">
       <p:transition p14:dur="100" advClick="0" advTm="3000">
         <p:cut/>
       </p:transition>
     </mc:Choice>
-    <mc:Fallback>
+    <mc:Fallback xmlns="">
       <p:transition advClick="0" advTm="3000">
         <p:cut/>
       </p:transition>
@@ -5739,13 +5759,13 @@
   <p:clrMapOvr>
     <a:masterClrMapping/>
   </p:clrMapOvr>
-  <mc:AlternateContent xmlns:mc="http://schemas.openxmlformats.org/markup-compatibility/2006">
-    <mc:Choice xmlns:p14="http://schemas.microsoft.com/office/powerpoint/2010/main" Requires="p14">
+  <mc:AlternateContent xmlns:mc="http://schemas.openxmlformats.org/markup-compatibility/2006" xmlns:p14="http://schemas.microsoft.com/office/powerpoint/2010/main">
+    <mc:Choice Requires="p14">
       <p:transition p14:dur="100" advClick="0" advTm="3000">
         <p:cut/>
       </p:transition>
     </mc:Choice>
-    <mc:Fallback>
+    <mc:Fallback xmlns="">
       <p:transition advClick="0" advTm="3000">
         <p:cut/>
       </p:transition>
@@ -5790,7 +5810,6 @@
               <a:rPr lang="zh-CN" altLang="en-US"/>
               <a:t>单击此处编辑母版标题样式</a:t>
             </a:r>
-            <a:endParaRPr lang="zh-CN" altLang="en-US"/>
           </a:p>
         </p:txBody>
       </p:sp>
@@ -5814,7 +5833,6 @@
               <a:rPr lang="zh-CN" altLang="en-US"/>
               <a:t>单击此处编辑母版文本样式</a:t>
             </a:r>
-            <a:endParaRPr lang="zh-CN" altLang="en-US"/>
           </a:p>
           <a:p>
             <a:pPr lvl="1"/>
@@ -5822,7 +5840,6 @@
               <a:rPr lang="zh-CN" altLang="en-US"/>
               <a:t>二级</a:t>
             </a:r>
-            <a:endParaRPr lang="zh-CN" altLang="en-US"/>
           </a:p>
           <a:p>
             <a:pPr lvl="2"/>
@@ -5830,7 +5847,6 @@
               <a:rPr lang="zh-CN" altLang="en-US"/>
               <a:t>三级</a:t>
             </a:r>
-            <a:endParaRPr lang="zh-CN" altLang="en-US"/>
           </a:p>
           <a:p>
             <a:pPr lvl="3"/>
@@ -5838,7 +5854,6 @@
               <a:rPr lang="zh-CN" altLang="en-US"/>
               <a:t>四级</a:t>
             </a:r>
-            <a:endParaRPr lang="zh-CN" altLang="en-US"/>
           </a:p>
           <a:p>
             <a:pPr lvl="4"/>
@@ -5846,7 +5861,6 @@
               <a:rPr lang="zh-CN" altLang="en-US"/>
               <a:t>五级</a:t>
             </a:r>
-            <a:endParaRPr lang="zh-CN" altLang="en-US"/>
           </a:p>
         </p:txBody>
       </p:sp>
@@ -5867,6 +5881,7 @@
           <a:p>
             <a:fld id="{33F432A0-6091-4609-935B-7D46325FF6E9}" type="datetimeFigureOut">
               <a:rPr lang="zh-CN" altLang="en-US" smtClean="0"/>
+              <a:t>2020/10/8</a:t>
             </a:fld>
             <a:endParaRPr lang="zh-CN" altLang="en-US"/>
           </a:p>
@@ -5908,6 +5923,7 @@
           <a:p>
             <a:fld id="{3B2DDF46-1073-4F21-A404-4017ABC854E6}" type="slidenum">
               <a:rPr lang="zh-CN" altLang="en-US" smtClean="0"/>
+              <a:t>‹#›</a:t>
             </a:fld>
             <a:endParaRPr lang="zh-CN" altLang="en-US"/>
           </a:p>
@@ -5966,7 +5982,6 @@
               <a:rPr lang="zh-CN" altLang="en-US"/>
               <a:t>单击此处编辑母版标题样式</a:t>
             </a:r>
-            <a:endParaRPr lang="zh-CN" altLang="en-US"/>
           </a:p>
         </p:txBody>
       </p:sp>
@@ -6086,7 +6101,6 @@
               <a:rPr lang="zh-CN" altLang="en-US"/>
               <a:t>单击此处编辑母版文本样式</a:t>
             </a:r>
-            <a:endParaRPr lang="zh-CN" altLang="en-US"/>
           </a:p>
         </p:txBody>
       </p:sp>
@@ -6107,6 +6121,7 @@
           <a:p>
             <a:fld id="{33F432A0-6091-4609-935B-7D46325FF6E9}" type="datetimeFigureOut">
               <a:rPr lang="zh-CN" altLang="en-US" smtClean="0"/>
+              <a:t>2020/10/8</a:t>
             </a:fld>
             <a:endParaRPr lang="zh-CN" altLang="en-US"/>
           </a:p>
@@ -6148,6 +6163,7 @@
           <a:p>
             <a:fld id="{3B2DDF46-1073-4F21-A404-4017ABC854E6}" type="slidenum">
               <a:rPr lang="zh-CN" altLang="en-US" smtClean="0"/>
+              <a:t>‹#›</a:t>
             </a:fld>
             <a:endParaRPr lang="zh-CN" altLang="en-US"/>
           </a:p>
@@ -6197,7 +6213,6 @@
               <a:rPr lang="zh-CN" altLang="en-US"/>
               <a:t>单击此处编辑母版标题样式</a:t>
             </a:r>
-            <a:endParaRPr lang="zh-CN" altLang="en-US"/>
           </a:p>
         </p:txBody>
       </p:sp>
@@ -6226,7 +6241,6 @@
               <a:rPr lang="zh-CN" altLang="en-US"/>
               <a:t>单击此处编辑母版文本样式</a:t>
             </a:r>
-            <a:endParaRPr lang="zh-CN" altLang="en-US"/>
           </a:p>
           <a:p>
             <a:pPr lvl="1"/>
@@ -6234,7 +6248,6 @@
               <a:rPr lang="zh-CN" altLang="en-US"/>
               <a:t>二级</a:t>
             </a:r>
-            <a:endParaRPr lang="zh-CN" altLang="en-US"/>
           </a:p>
           <a:p>
             <a:pPr lvl="2"/>
@@ -6242,7 +6255,6 @@
               <a:rPr lang="zh-CN" altLang="en-US"/>
               <a:t>三级</a:t>
             </a:r>
-            <a:endParaRPr lang="zh-CN" altLang="en-US"/>
           </a:p>
           <a:p>
             <a:pPr lvl="3"/>
@@ -6250,7 +6262,6 @@
               <a:rPr lang="zh-CN" altLang="en-US"/>
               <a:t>四级</a:t>
             </a:r>
-            <a:endParaRPr lang="zh-CN" altLang="en-US"/>
           </a:p>
           <a:p>
             <a:pPr lvl="4"/>
@@ -6258,7 +6269,6 @@
               <a:rPr lang="zh-CN" altLang="en-US"/>
               <a:t>五级</a:t>
             </a:r>
-            <a:endParaRPr lang="zh-CN" altLang="en-US"/>
           </a:p>
         </p:txBody>
       </p:sp>
@@ -6287,7 +6297,6 @@
               <a:rPr lang="zh-CN" altLang="en-US"/>
               <a:t>单击此处编辑母版文本样式</a:t>
             </a:r>
-            <a:endParaRPr lang="zh-CN" altLang="en-US"/>
           </a:p>
           <a:p>
             <a:pPr lvl="1"/>
@@ -6295,7 +6304,6 @@
               <a:rPr lang="zh-CN" altLang="en-US"/>
               <a:t>二级</a:t>
             </a:r>
-            <a:endParaRPr lang="zh-CN" altLang="en-US"/>
           </a:p>
           <a:p>
             <a:pPr lvl="2"/>
@@ -6303,7 +6311,6 @@
               <a:rPr lang="zh-CN" altLang="en-US"/>
               <a:t>三级</a:t>
             </a:r>
-            <a:endParaRPr lang="zh-CN" altLang="en-US"/>
           </a:p>
           <a:p>
             <a:pPr lvl="3"/>
@@ -6311,7 +6318,6 @@
               <a:rPr lang="zh-CN" altLang="en-US"/>
               <a:t>四级</a:t>
             </a:r>
-            <a:endParaRPr lang="zh-CN" altLang="en-US"/>
           </a:p>
           <a:p>
             <a:pPr lvl="4"/>
@@ -6319,7 +6325,6 @@
               <a:rPr lang="zh-CN" altLang="en-US"/>
               <a:t>五级</a:t>
             </a:r>
-            <a:endParaRPr lang="zh-CN" altLang="en-US"/>
           </a:p>
         </p:txBody>
       </p:sp>
@@ -6340,6 +6345,7 @@
           <a:p>
             <a:fld id="{33F432A0-6091-4609-935B-7D46325FF6E9}" type="datetimeFigureOut">
               <a:rPr lang="zh-CN" altLang="en-US" smtClean="0"/>
+              <a:t>2020/10/8</a:t>
             </a:fld>
             <a:endParaRPr lang="zh-CN" altLang="en-US"/>
           </a:p>
@@ -6381,6 +6387,7 @@
           <a:p>
             <a:fld id="{3B2DDF46-1073-4F21-A404-4017ABC854E6}" type="slidenum">
               <a:rPr lang="zh-CN" altLang="en-US" smtClean="0"/>
+              <a:t>‹#›</a:t>
             </a:fld>
             <a:endParaRPr lang="zh-CN" altLang="en-US"/>
           </a:p>
@@ -6435,7 +6442,6 @@
               <a:rPr lang="zh-CN" altLang="en-US"/>
               <a:t>单击此处编辑母版标题样式</a:t>
             </a:r>
-            <a:endParaRPr lang="zh-CN" altLang="en-US"/>
           </a:p>
         </p:txBody>
       </p:sp>
@@ -6501,7 +6507,6 @@
               <a:rPr lang="zh-CN" altLang="en-US"/>
               <a:t>单击此处编辑母版文本样式</a:t>
             </a:r>
-            <a:endParaRPr lang="zh-CN" altLang="en-US"/>
           </a:p>
         </p:txBody>
       </p:sp>
@@ -6530,7 +6535,6 @@
               <a:rPr lang="zh-CN" altLang="en-US"/>
               <a:t>单击此处编辑母版文本样式</a:t>
             </a:r>
-            <a:endParaRPr lang="zh-CN" altLang="en-US"/>
           </a:p>
           <a:p>
             <a:pPr lvl="1"/>
@@ -6538,7 +6542,6 @@
               <a:rPr lang="zh-CN" altLang="en-US"/>
               <a:t>二级</a:t>
             </a:r>
-            <a:endParaRPr lang="zh-CN" altLang="en-US"/>
           </a:p>
           <a:p>
             <a:pPr lvl="2"/>
@@ -6546,7 +6549,6 @@
               <a:rPr lang="zh-CN" altLang="en-US"/>
               <a:t>三级</a:t>
             </a:r>
-            <a:endParaRPr lang="zh-CN" altLang="en-US"/>
           </a:p>
           <a:p>
             <a:pPr lvl="3"/>
@@ -6554,7 +6556,6 @@
               <a:rPr lang="zh-CN" altLang="en-US"/>
               <a:t>四级</a:t>
             </a:r>
-            <a:endParaRPr lang="zh-CN" altLang="en-US"/>
           </a:p>
           <a:p>
             <a:pPr lvl="4"/>
@@ -6562,7 +6563,6 @@
               <a:rPr lang="zh-CN" altLang="en-US"/>
               <a:t>五级</a:t>
             </a:r>
-            <a:endParaRPr lang="zh-CN" altLang="en-US"/>
           </a:p>
         </p:txBody>
       </p:sp>
@@ -6628,7 +6628,6 @@
               <a:rPr lang="zh-CN" altLang="en-US"/>
               <a:t>单击此处编辑母版文本样式</a:t>
             </a:r>
-            <a:endParaRPr lang="zh-CN" altLang="en-US"/>
           </a:p>
         </p:txBody>
       </p:sp>
@@ -6657,7 +6656,6 @@
               <a:rPr lang="zh-CN" altLang="en-US"/>
               <a:t>单击此处编辑母版文本样式</a:t>
             </a:r>
-            <a:endParaRPr lang="zh-CN" altLang="en-US"/>
           </a:p>
           <a:p>
             <a:pPr lvl="1"/>
@@ -6665,7 +6663,6 @@
               <a:rPr lang="zh-CN" altLang="en-US"/>
               <a:t>二级</a:t>
             </a:r>
-            <a:endParaRPr lang="zh-CN" altLang="en-US"/>
           </a:p>
           <a:p>
             <a:pPr lvl="2"/>
@@ -6673,7 +6670,6 @@
               <a:rPr lang="zh-CN" altLang="en-US"/>
               <a:t>三级</a:t>
             </a:r>
-            <a:endParaRPr lang="zh-CN" altLang="en-US"/>
           </a:p>
           <a:p>
             <a:pPr lvl="3"/>
@@ -6681,7 +6677,6 @@
               <a:rPr lang="zh-CN" altLang="en-US"/>
               <a:t>四级</a:t>
             </a:r>
-            <a:endParaRPr lang="zh-CN" altLang="en-US"/>
           </a:p>
           <a:p>
             <a:pPr lvl="4"/>
@@ -6689,7 +6684,6 @@
               <a:rPr lang="zh-CN" altLang="en-US"/>
               <a:t>五级</a:t>
             </a:r>
-            <a:endParaRPr lang="zh-CN" altLang="en-US"/>
           </a:p>
         </p:txBody>
       </p:sp>
@@ -6710,6 +6704,7 @@
           <a:p>
             <a:fld id="{33F432A0-6091-4609-935B-7D46325FF6E9}" type="datetimeFigureOut">
               <a:rPr lang="zh-CN" altLang="en-US" smtClean="0"/>
+              <a:t>2020/10/8</a:t>
             </a:fld>
             <a:endParaRPr lang="zh-CN" altLang="en-US"/>
           </a:p>
@@ -6751,6 +6746,7 @@
           <a:p>
             <a:fld id="{3B2DDF46-1073-4F21-A404-4017ABC854E6}" type="slidenum">
               <a:rPr lang="zh-CN" altLang="en-US" smtClean="0"/>
+              <a:t>‹#›</a:t>
             </a:fld>
             <a:endParaRPr lang="zh-CN" altLang="en-US"/>
           </a:p>
@@ -6800,7 +6796,6 @@
               <a:rPr lang="zh-CN" altLang="en-US"/>
               <a:t>单击此处编辑母版标题样式</a:t>
             </a:r>
-            <a:endParaRPr lang="zh-CN" altLang="en-US"/>
           </a:p>
         </p:txBody>
       </p:sp>
@@ -6821,6 +6816,7 @@
           <a:p>
             <a:fld id="{33F432A0-6091-4609-935B-7D46325FF6E9}" type="datetimeFigureOut">
               <a:rPr lang="zh-CN" altLang="en-US" smtClean="0"/>
+              <a:t>2020/10/8</a:t>
             </a:fld>
             <a:endParaRPr lang="zh-CN" altLang="en-US"/>
           </a:p>
@@ -6862,6 +6858,7 @@
           <a:p>
             <a:fld id="{3B2DDF46-1073-4F21-A404-4017ABC854E6}" type="slidenum">
               <a:rPr lang="zh-CN" altLang="en-US" smtClean="0"/>
+              <a:t>‹#›</a:t>
             </a:fld>
             <a:endParaRPr lang="zh-CN" altLang="en-US"/>
           </a:p>
@@ -6909,6 +6906,7 @@
           <a:p>
             <a:fld id="{33F432A0-6091-4609-935B-7D46325FF6E9}" type="datetimeFigureOut">
               <a:rPr lang="zh-CN" altLang="en-US" smtClean="0"/>
+              <a:t>2020/10/8</a:t>
             </a:fld>
             <a:endParaRPr lang="zh-CN" altLang="en-US"/>
           </a:p>
@@ -6950,6 +6948,7 @@
           <a:p>
             <a:fld id="{3B2DDF46-1073-4F21-A404-4017ABC854E6}" type="slidenum">
               <a:rPr lang="zh-CN" altLang="en-US" smtClean="0"/>
+              <a:t>‹#›</a:t>
             </a:fld>
             <a:endParaRPr lang="zh-CN" altLang="en-US"/>
           </a:p>
@@ -7008,7 +7007,6 @@
               <a:rPr lang="zh-CN" altLang="en-US"/>
               <a:t>单击此处编辑母版标题样式</a:t>
             </a:r>
-            <a:endParaRPr lang="zh-CN" altLang="en-US"/>
           </a:p>
         </p:txBody>
       </p:sp>
@@ -7065,7 +7063,6 @@
               <a:rPr lang="zh-CN" altLang="en-US"/>
               <a:t>单击此处编辑母版文本样式</a:t>
             </a:r>
-            <a:endParaRPr lang="zh-CN" altLang="en-US"/>
           </a:p>
           <a:p>
             <a:pPr lvl="1"/>
@@ -7073,7 +7070,6 @@
               <a:rPr lang="zh-CN" altLang="en-US"/>
               <a:t>二级</a:t>
             </a:r>
-            <a:endParaRPr lang="zh-CN" altLang="en-US"/>
           </a:p>
           <a:p>
             <a:pPr lvl="2"/>
@@ -7081,7 +7077,6 @@
               <a:rPr lang="zh-CN" altLang="en-US"/>
               <a:t>三级</a:t>
             </a:r>
-            <a:endParaRPr lang="zh-CN" altLang="en-US"/>
           </a:p>
           <a:p>
             <a:pPr lvl="3"/>
@@ -7089,7 +7084,6 @@
               <a:rPr lang="zh-CN" altLang="en-US"/>
               <a:t>四级</a:t>
             </a:r>
-            <a:endParaRPr lang="zh-CN" altLang="en-US"/>
           </a:p>
           <a:p>
             <a:pPr lvl="4"/>
@@ -7097,7 +7091,6 @@
               <a:rPr lang="zh-CN" altLang="en-US"/>
               <a:t>五级</a:t>
             </a:r>
-            <a:endParaRPr lang="zh-CN" altLang="en-US"/>
           </a:p>
         </p:txBody>
       </p:sp>
@@ -7163,7 +7156,6 @@
               <a:rPr lang="zh-CN" altLang="en-US"/>
               <a:t>单击此处编辑母版文本样式</a:t>
             </a:r>
-            <a:endParaRPr lang="zh-CN" altLang="en-US"/>
           </a:p>
         </p:txBody>
       </p:sp>
@@ -7184,6 +7176,7 @@
           <a:p>
             <a:fld id="{33F432A0-6091-4609-935B-7D46325FF6E9}" type="datetimeFigureOut">
               <a:rPr lang="zh-CN" altLang="en-US" smtClean="0"/>
+              <a:t>2020/10/8</a:t>
             </a:fld>
             <a:endParaRPr lang="zh-CN" altLang="en-US"/>
           </a:p>
@@ -7225,6 +7218,7 @@
           <a:p>
             <a:fld id="{3B2DDF46-1073-4F21-A404-4017ABC854E6}" type="slidenum">
               <a:rPr lang="zh-CN" altLang="en-US" smtClean="0"/>
+              <a:t>‹#›</a:t>
             </a:fld>
             <a:endParaRPr lang="zh-CN" altLang="en-US"/>
           </a:p>
@@ -7283,7 +7277,6 @@
               <a:rPr lang="zh-CN" altLang="en-US"/>
               <a:t>单击此处编辑母版标题样式</a:t>
             </a:r>
-            <a:endParaRPr lang="zh-CN" altLang="en-US"/>
           </a:p>
         </p:txBody>
       </p:sp>
@@ -7410,7 +7403,6 @@
               <a:rPr lang="zh-CN" altLang="en-US"/>
               <a:t>单击此处编辑母版文本样式</a:t>
             </a:r>
-            <a:endParaRPr lang="zh-CN" altLang="en-US"/>
           </a:p>
         </p:txBody>
       </p:sp>
@@ -7431,6 +7423,7 @@
           <a:p>
             <a:fld id="{33F432A0-6091-4609-935B-7D46325FF6E9}" type="datetimeFigureOut">
               <a:rPr lang="zh-CN" altLang="en-US" smtClean="0"/>
+              <a:t>2020/10/8</a:t>
             </a:fld>
             <a:endParaRPr lang="zh-CN" altLang="en-US"/>
           </a:p>
@@ -7472,6 +7465,7 @@
           <a:p>
             <a:fld id="{3B2DDF46-1073-4F21-A404-4017ABC854E6}" type="slidenum">
               <a:rPr lang="zh-CN" altLang="en-US" smtClean="0"/>
+              <a:t>‹#›</a:t>
             </a:fld>
             <a:endParaRPr lang="zh-CN" altLang="en-US"/>
           </a:p>
@@ -7536,7 +7530,6 @@
               <a:rPr lang="zh-CN" altLang="en-US"/>
               <a:t>单击此处编辑母版标题样式</a:t>
             </a:r>
-            <a:endParaRPr lang="zh-CN" altLang="en-US"/>
           </a:p>
         </p:txBody>
       </p:sp>
@@ -7570,7 +7563,6 @@
               <a:rPr lang="zh-CN" altLang="en-US"/>
               <a:t>单击此处编辑母版文本样式</a:t>
             </a:r>
-            <a:endParaRPr lang="zh-CN" altLang="en-US"/>
           </a:p>
           <a:p>
             <a:pPr lvl="1"/>
@@ -7578,7 +7570,6 @@
               <a:rPr lang="zh-CN" altLang="en-US"/>
               <a:t>二级</a:t>
             </a:r>
-            <a:endParaRPr lang="zh-CN" altLang="en-US"/>
           </a:p>
           <a:p>
             <a:pPr lvl="2"/>
@@ -7586,7 +7577,6 @@
               <a:rPr lang="zh-CN" altLang="en-US"/>
               <a:t>三级</a:t>
             </a:r>
-            <a:endParaRPr lang="zh-CN" altLang="en-US"/>
           </a:p>
           <a:p>
             <a:pPr lvl="3"/>
@@ -7594,7 +7584,6 @@
               <a:rPr lang="zh-CN" altLang="en-US"/>
               <a:t>四级</a:t>
             </a:r>
-            <a:endParaRPr lang="zh-CN" altLang="en-US"/>
           </a:p>
           <a:p>
             <a:pPr lvl="4"/>
@@ -7602,7 +7591,6 @@
               <a:rPr lang="zh-CN" altLang="en-US"/>
               <a:t>五级</a:t>
             </a:r>
-            <a:endParaRPr lang="zh-CN" altLang="en-US"/>
           </a:p>
         </p:txBody>
       </p:sp>
@@ -7641,6 +7629,7 @@
           <a:p>
             <a:fld id="{33F432A0-6091-4609-935B-7D46325FF6E9}" type="datetimeFigureOut">
               <a:rPr lang="zh-CN" altLang="en-US" smtClean="0"/>
+              <a:t>2020/10/8</a:t>
             </a:fld>
             <a:endParaRPr lang="zh-CN" altLang="en-US"/>
           </a:p>
@@ -7718,6 +7707,7 @@
           <a:p>
             <a:fld id="{3B2DDF46-1073-4F21-A404-4017ABC854E6}" type="slidenum">
               <a:rPr lang="zh-CN" altLang="en-US" smtClean="0"/>
+              <a:t>‹#›</a:t>
             </a:fld>
             <a:endParaRPr lang="zh-CN" altLang="en-US"/>
           </a:p>
@@ -8057,7 +8047,7 @@
           <p:nvPr userDrawn="1"/>
         </p:nvPicPr>
         <p:blipFill>
-          <a:blip r:embed="rId7" cstate="print">
+          <a:blip r:embed="rId8" cstate="print">
             <a:extLst>
               <a:ext uri="{28A0092B-C50C-407E-A947-70E740481C1C}">
                 <a14:useLocalDpi xmlns:a14="http://schemas.microsoft.com/office/drawing/2010/main" val="0"/>
@@ -8089,13 +8079,13 @@
     <p:sldLayoutId id="2147483666" r:id="rId5"/>
     <p:sldLayoutId id="2147483667" r:id="rId6"/>
   </p:sldLayoutIdLst>
-  <mc:AlternateContent xmlns:mc="http://schemas.openxmlformats.org/markup-compatibility/2006">
-    <mc:Choice xmlns:p14="http://schemas.microsoft.com/office/powerpoint/2010/main" Requires="p14">
+  <mc:AlternateContent xmlns:mc="http://schemas.openxmlformats.org/markup-compatibility/2006" xmlns:p14="http://schemas.microsoft.com/office/powerpoint/2010/main">
+    <mc:Choice Requires="p14">
       <p:transition p14:dur="100" advClick="0" advTm="3000">
         <p:cut/>
       </p:transition>
     </mc:Choice>
-    <mc:Fallback>
+    <mc:Fallback xmlns="">
       <p:transition advClick="0" advTm="3000">
         <p:cut/>
       </p:transition>
@@ -8521,7 +8511,7 @@
           <p:nvPr/>
         </p:nvPicPr>
         <p:blipFill rotWithShape="1">
-          <a:blip r:embed="rId1">
+          <a:blip r:embed="rId4">
             <a:extLst>
               <a:ext uri="{28A0092B-C50C-407E-A947-70E740481C1C}">
                 <a14:useLocalDpi xmlns:a14="http://schemas.microsoft.com/office/drawing/2010/main" val="0"/>
@@ -8574,7 +8564,7 @@
           <p:nvPr/>
         </p:nvPicPr>
         <p:blipFill>
-          <a:blip r:embed="rId2" cstate="print">
+          <a:blip r:embed="rId5" cstate="print">
             <a:extLst>
               <a:ext uri="{28A0092B-C50C-407E-A947-70E740481C1C}">
                 <a14:useLocalDpi xmlns:a14="http://schemas.microsoft.com/office/drawing/2010/main" val="0"/>
@@ -8601,7 +8591,7 @@
           <p:cNvSpPr txBox="1"/>
           <p:nvPr>
             <p:custDataLst>
-              <p:tags r:id="rId3"/>
+              <p:tags r:id="rId1"/>
             </p:custDataLst>
           </p:nvPr>
         </p:nvSpPr>
@@ -8656,18 +8646,6 @@
               </a:rPr>
               <a:t>》</a:t>
             </a:r>
-            <a:endParaRPr lang="en-US" altLang="zh-CN" sz="4800" b="1" dirty="0">
-              <a:solidFill>
-                <a:schemeClr val="tx1">
-                  <a:lumMod val="75000"/>
-                  <a:lumOff val="25000"/>
-                </a:schemeClr>
-              </a:solidFill>
-              <a:latin typeface="方正兰亭圆简体_准" panose="02000000000000000000" pitchFamily="2" charset="-122"/>
-              <a:ea typeface="方正兰亭圆简体_准" panose="02000000000000000000" pitchFamily="2" charset="-122"/>
-              <a:cs typeface="+mn-ea"/>
-              <a:sym typeface="+mn-lt"/>
-            </a:endParaRPr>
           </a:p>
         </p:txBody>
       </p:sp>
@@ -8806,13 +8784,13 @@
   <p:clrMapOvr>
     <a:masterClrMapping/>
   </p:clrMapOvr>
-  <mc:AlternateContent xmlns:mc="http://schemas.openxmlformats.org/markup-compatibility/2006">
-    <mc:Choice xmlns:p14="http://schemas.microsoft.com/office/powerpoint/2010/main" Requires="p14">
+  <mc:AlternateContent xmlns:mc="http://schemas.openxmlformats.org/markup-compatibility/2006" xmlns:p14="http://schemas.microsoft.com/office/powerpoint/2010/main">
+    <mc:Choice Requires="p14">
       <p:transition p14:dur="100" advClick="0" advTm="2534">
         <p:cut/>
       </p:transition>
     </mc:Choice>
-    <mc:Fallback>
+    <mc:Fallback xmlns="">
       <p:transition advClick="0" advTm="2534">
         <p:cut/>
       </p:transition>
@@ -8965,7 +8943,14 @@
         <p:cNvGrpSpPr/>
         <p:nvPr/>
       </p:nvGrpSpPr>
-      <p:grpSpPr/>
+      <p:grpSpPr>
+        <a:xfrm>
+          <a:off x="0" y="0"/>
+          <a:ext cx="0" cy="0"/>
+          <a:chOff x="0" y="0"/>
+          <a:chExt cx="0" cy="0"/>
+        </a:xfrm>
+      </p:grpSpPr>
       <p:sp>
         <p:nvSpPr>
           <p:cNvPr id="3" name="文本框 2"/>
@@ -8986,6 +8971,7 @@
           <a:bodyPr wrap="none" rtlCol="0" anchor="t">
             <a:spAutoFit/>
           </a:bodyPr>
+          <a:lstStyle/>
           <a:p>
             <a:r>
               <a:rPr lang="zh-CN" altLang="en-US" dirty="0">
@@ -8995,11 +8981,6 @@
               </a:rPr>
               <a:t>两颊清洁</a:t>
             </a:r>
-            <a:endParaRPr lang="zh-CN" altLang="en-US" dirty="0">
-              <a:latin typeface="方正兰亭圆简体_准" panose="02000000000000000000" pitchFamily="2" charset="-122"/>
-              <a:ea typeface="方正兰亭圆简体_准" panose="02000000000000000000" pitchFamily="2" charset="-122"/>
-              <a:sym typeface="+mn-ea"/>
-            </a:endParaRPr>
           </a:p>
         </p:txBody>
       </p:sp>
@@ -9012,7 +8993,7 @@
           <p:nvPr/>
         </p:nvPicPr>
         <p:blipFill>
-          <a:blip r:embed="rId1"/>
+          <a:blip r:embed="rId2"/>
           <a:stretch>
             <a:fillRect/>
           </a:stretch>
@@ -9032,13 +9013,13 @@
   <p:clrMapOvr>
     <a:masterClrMapping/>
   </p:clrMapOvr>
-  <mc:AlternateContent xmlns:mc="http://schemas.openxmlformats.org/markup-compatibility/2006">
-    <mc:Choice xmlns:p14="http://schemas.microsoft.com/office/powerpoint/2010/main" Requires="p14">
+  <mc:AlternateContent xmlns:mc="http://schemas.openxmlformats.org/markup-compatibility/2006" xmlns:p14="http://schemas.microsoft.com/office/powerpoint/2010/main">
+    <mc:Choice Requires="p14">
       <p:transition p14:dur="100" advClick="0" advTm="3000">
         <p:cut/>
       </p:transition>
     </mc:Choice>
-    <mc:Fallback>
+    <mc:Fallback xmlns="">
       <p:transition advClick="0" advTm="3000">
         <p:cut/>
       </p:transition>
@@ -9056,7 +9037,14 @@
         <p:cNvGrpSpPr/>
         <p:nvPr/>
       </p:nvGrpSpPr>
-      <p:grpSpPr/>
+      <p:grpSpPr>
+        <a:xfrm>
+          <a:off x="0" y="0"/>
+          <a:ext cx="0" cy="0"/>
+          <a:chOff x="0" y="0"/>
+          <a:chExt cx="0" cy="0"/>
+        </a:xfrm>
+      </p:grpSpPr>
       <p:sp>
         <p:nvSpPr>
           <p:cNvPr id="2" name="文本框 1"/>
@@ -9077,6 +9065,7 @@
           <a:bodyPr wrap="none" rtlCol="0" anchor="t">
             <a:spAutoFit/>
           </a:bodyPr>
+          <a:lstStyle/>
           <a:p>
             <a:r>
               <a:rPr lang="zh-CN" altLang="en-US" dirty="0">
@@ -9099,7 +9088,7 @@
           <p:nvPr/>
         </p:nvPicPr>
         <p:blipFill>
-          <a:blip r:embed="rId1"/>
+          <a:blip r:embed="rId3"/>
           <a:stretch>
             <a:fillRect/>
           </a:stretch>
@@ -9134,16 +9123,12 @@
           <a:bodyPr wrap="square" rtlCol="0">
             <a:spAutoFit/>
           </a:bodyPr>
+          <a:lstStyle/>
           <a:p>
             <a:r>
               <a:rPr lang="zh-CN" altLang="en-US"/>
-              <a:t>舌头表面的结构，导致污垢和细菌容易在舌头表面残留，影响味觉。同样，如果对话机会少，舌头功能不足，上颚和舌头不太能被摩擦，</a:t>
-            </a:r>
-            <a:r>
-              <a:rPr lang="zh-CN" altLang="en-US"/>
-              <a:t>细菌更容易附着在舌头上。。。。。</a:t>
-            </a:r>
-            <a:endParaRPr lang="zh-CN" altLang="en-US"/>
+              <a:t>舌头表面的结构，导致污垢和细菌容易在舌头表面残留，影响味觉。同样，如果对话机会少，舌头功能不足，上颚和舌头不太能被摩擦，细菌更容易附着在舌头上。。。。。</a:t>
+            </a:r>
           </a:p>
         </p:txBody>
       </p:sp>
@@ -9152,13 +9137,13 @@
   <p:clrMapOvr>
     <a:masterClrMapping/>
   </p:clrMapOvr>
-  <mc:AlternateContent xmlns:mc="http://schemas.openxmlformats.org/markup-compatibility/2006">
-    <mc:Choice xmlns:p14="http://schemas.microsoft.com/office/powerpoint/2010/main" Requires="p14">
+  <mc:AlternateContent xmlns:mc="http://schemas.openxmlformats.org/markup-compatibility/2006" xmlns:p14="http://schemas.microsoft.com/office/powerpoint/2010/main">
+    <mc:Choice Requires="p14">
       <p:transition p14:dur="100" advClick="0" advTm="3000">
         <p:cut/>
       </p:transition>
     </mc:Choice>
-    <mc:Fallback>
+    <mc:Fallback xmlns="">
       <p:transition advClick="0" advTm="3000">
         <p:cut/>
       </p:transition>
@@ -9225,22 +9210,6 @@
               </a:rPr>
               <a:t>3</a:t>
             </a:r>
-            <a:endParaRPr lang="en-US" altLang="zh-CN" sz="28700" dirty="0">
-              <a:solidFill>
-                <a:srgbClr val="000000"/>
-              </a:solidFill>
-              <a:effectLst>
-                <a:outerShdw blurRad="50800" dist="38100" dir="2700000" algn="tl" rotWithShape="0">
-                  <a:prstClr val="black">
-                    <a:alpha val="40000"/>
-                  </a:prstClr>
-                </a:outerShdw>
-              </a:effectLst>
-              <a:latin typeface="方正兰亭圆简体_准" panose="02000000000000000000" pitchFamily="2" charset="-122"/>
-              <a:ea typeface="方正兰亭圆简体_准" panose="02000000000000000000" pitchFamily="2" charset="-122"/>
-              <a:cs typeface="+mn-ea"/>
-              <a:sym typeface="+mn-lt"/>
-            </a:endParaRPr>
           </a:p>
         </p:txBody>
       </p:sp>
@@ -9418,7 +9387,7 @@
           <p:nvPr/>
         </p:nvPicPr>
         <p:blipFill>
-          <a:blip r:embed="rId1" cstate="print"/>
+          <a:blip r:embed="rId3" cstate="print"/>
           <a:stretch>
             <a:fillRect/>
           </a:stretch>
@@ -9470,18 +9439,6 @@
               </a:rPr>
               <a:t>注意事项</a:t>
             </a:r>
-            <a:endParaRPr lang="zh-CN" altLang="en-US" sz="5400" b="1" dirty="0">
-              <a:solidFill>
-                <a:schemeClr val="tx1">
-                  <a:lumMod val="75000"/>
-                  <a:lumOff val="25000"/>
-                </a:schemeClr>
-              </a:solidFill>
-              <a:latin typeface="方正兰亭圆简体_准" panose="02000000000000000000" pitchFamily="2" charset="-122"/>
-              <a:ea typeface="方正兰亭圆简体_准" panose="02000000000000000000" pitchFamily="2" charset="-122"/>
-              <a:cs typeface="+mn-ea"/>
-              <a:sym typeface="+mn-lt"/>
-            </a:endParaRPr>
           </a:p>
         </p:txBody>
       </p:sp>
@@ -9490,13 +9447,13 @@
   <p:clrMapOvr>
     <a:masterClrMapping/>
   </p:clrMapOvr>
-  <mc:AlternateContent xmlns:mc="http://schemas.openxmlformats.org/markup-compatibility/2006">
-    <mc:Choice xmlns:p14="http://schemas.microsoft.com/office/powerpoint/2010/main" Requires="p14">
+  <mc:AlternateContent xmlns:mc="http://schemas.openxmlformats.org/markup-compatibility/2006" xmlns:p14="http://schemas.microsoft.com/office/powerpoint/2010/main">
+    <mc:Choice Requires="p14">
       <p:transition p14:dur="100" advClick="0" advTm="3000">
         <p:cut/>
       </p:transition>
     </mc:Choice>
-    <mc:Fallback>
+    <mc:Fallback xmlns="">
       <p:transition advClick="0" advTm="3000">
         <p:cut/>
       </p:transition>
@@ -9654,10 +9611,6 @@
               </a:rPr>
               <a:t>注意事项</a:t>
             </a:r>
-            <a:endParaRPr lang="zh-CN" altLang="en-US" sz="4000" dirty="0">
-              <a:latin typeface="楷体" panose="02010609060101010101" charset="-122"/>
-              <a:ea typeface="楷体" panose="02010609060101010101" charset="-122"/>
-            </a:endParaRPr>
           </a:p>
         </p:txBody>
       </p:sp>
@@ -9670,7 +9623,7 @@
           <p:nvPr/>
         </p:nvPicPr>
         <p:blipFill>
-          <a:blip r:embed="rId1"/>
+          <a:blip r:embed="rId3"/>
           <a:srcRect l="10952" t="7155" r="5487" b="14310"/>
           <a:stretch>
             <a:fillRect/>
@@ -9720,10 +9673,6 @@
               </a:rPr>
               <a:t>吸引器</a:t>
             </a:r>
-            <a:endParaRPr lang="zh-CN" altLang="en-US" sz="2800">
-              <a:latin typeface="楷体" panose="02010609060101010101" charset="-122"/>
-              <a:ea typeface="楷体" panose="02010609060101010101" charset="-122"/>
-            </a:endParaRPr>
           </a:p>
         </p:txBody>
       </p:sp>
@@ -9758,11 +9707,6 @@
               </a:rPr>
               <a:t>用吸引器一边刷，一边吸引口腔内的水，以防儿童发生误咽。</a:t>
             </a:r>
-            <a:endParaRPr lang="zh-CN" altLang="en-US" sz="2400" dirty="0">
-              <a:latin typeface="楷体" panose="02010609060101010101" charset="-122"/>
-              <a:ea typeface="楷体" panose="02010609060101010101" charset="-122"/>
-              <a:sym typeface="+mn-ea"/>
-            </a:endParaRPr>
           </a:p>
         </p:txBody>
       </p:sp>
@@ -9771,13 +9715,13 @@
   <p:clrMapOvr>
     <a:masterClrMapping/>
   </p:clrMapOvr>
-  <mc:AlternateContent xmlns:mc="http://schemas.openxmlformats.org/markup-compatibility/2006">
-    <mc:Choice xmlns:p14="http://schemas.microsoft.com/office/powerpoint/2010/main" Requires="p14">
+  <mc:AlternateContent xmlns:mc="http://schemas.openxmlformats.org/markup-compatibility/2006" xmlns:p14="http://schemas.microsoft.com/office/powerpoint/2010/main">
+    <mc:Choice Requires="p14">
       <p:transition p14:dur="100" advClick="0" advTm="3000">
         <p:cut/>
       </p:transition>
     </mc:Choice>
-    <mc:Fallback>
+    <mc:Fallback xmlns="">
       <p:transition advClick="0" advTm="3000">
         <p:cut/>
       </p:transition>
@@ -10066,18 +10010,6 @@
               </a:rPr>
               <a:t>感谢观看</a:t>
             </a:r>
-            <a:endParaRPr lang="zh-CN" altLang="en-US" sz="7500" dirty="0">
-              <a:solidFill>
-                <a:schemeClr val="tx1">
-                  <a:lumMod val="85000"/>
-                  <a:lumOff val="15000"/>
-                </a:schemeClr>
-              </a:solidFill>
-              <a:latin typeface="方正兰亭圆简体_准" panose="02000000000000000000" pitchFamily="2" charset="-122"/>
-              <a:ea typeface="方正兰亭圆简体_准" panose="02000000000000000000" pitchFamily="2" charset="-122"/>
-              <a:cs typeface="+mn-ea"/>
-              <a:sym typeface="+mn-lt"/>
-            </a:endParaRPr>
           </a:p>
         </p:txBody>
       </p:sp>
@@ -10178,18 +10110,6 @@
               </a:rPr>
               <a:t>PKU HealthCare , commits to Lead China's Healthcare Reform and </a:t>
             </a:r>
-            <a:endParaRPr lang="en-US" altLang="zh-CN" dirty="0">
-              <a:solidFill>
-                <a:schemeClr val="tx1">
-                  <a:lumMod val="50000"/>
-                  <a:lumOff val="50000"/>
-                </a:schemeClr>
-              </a:solidFill>
-              <a:latin typeface="+mn-lt"/>
-              <a:ea typeface="+mn-ea"/>
-              <a:cs typeface="+mn-ea"/>
-              <a:sym typeface="+mn-lt"/>
-            </a:endParaRPr>
           </a:p>
           <a:p>
             <a:pPr>
@@ -10212,18 +10132,6 @@
               </a:rPr>
               <a:t>Non-government Funding Healthcare.</a:t>
             </a:r>
-            <a:endParaRPr lang="en-US" altLang="zh-CN" dirty="0">
-              <a:solidFill>
-                <a:schemeClr val="tx1">
-                  <a:lumMod val="50000"/>
-                  <a:lumOff val="50000"/>
-                </a:schemeClr>
-              </a:solidFill>
-              <a:latin typeface="+mn-lt"/>
-              <a:ea typeface="+mn-ea"/>
-              <a:cs typeface="+mn-ea"/>
-              <a:sym typeface="+mn-lt"/>
-            </a:endParaRPr>
           </a:p>
         </p:txBody>
       </p:sp>
@@ -10296,7 +10204,7 @@
           <p:nvPr/>
         </p:nvPicPr>
         <p:blipFill rotWithShape="1">
-          <a:blip r:embed="rId3">
+          <a:blip r:embed="rId5">
             <a:extLst>
               <a:ext uri="{28A0092B-C50C-407E-A947-70E740481C1C}">
                 <a14:useLocalDpi xmlns:a14="http://schemas.microsoft.com/office/drawing/2010/main" val="0"/>
@@ -10349,7 +10257,7 @@
           <p:nvPr/>
         </p:nvPicPr>
         <p:blipFill>
-          <a:blip r:embed="rId4" cstate="print">
+          <a:blip r:embed="rId6" cstate="print">
             <a:extLst>
               <a:ext uri="{28A0092B-C50C-407E-A947-70E740481C1C}">
                 <a14:useLocalDpi xmlns:a14="http://schemas.microsoft.com/office/drawing/2010/main" val="0"/>
@@ -10375,13 +10283,13 @@
   <p:clrMapOvr>
     <a:masterClrMapping/>
   </p:clrMapOvr>
-  <mc:AlternateContent xmlns:mc="http://schemas.openxmlformats.org/markup-compatibility/2006">
-    <mc:Choice xmlns:p14="http://schemas.microsoft.com/office/powerpoint/2010/main" Requires="p14">
+  <mc:AlternateContent xmlns:mc="http://schemas.openxmlformats.org/markup-compatibility/2006" xmlns:p14="http://schemas.microsoft.com/office/powerpoint/2010/main">
+    <mc:Choice Requires="p14">
       <p:transition p14:dur="100" advClick="0" advTm="3000">
         <p:cut/>
       </p:transition>
     </mc:Choice>
-    <mc:Fallback>
+    <mc:Fallback xmlns="">
       <p:transition advClick="0" advTm="3000">
         <p:cut/>
       </p:transition>
@@ -10672,10 +10580,6 @@
               </a:rPr>
               <a:t>主要内容</a:t>
             </a:r>
-            <a:endParaRPr lang="zh-CN" altLang="en-US" sz="3200" dirty="0">
-              <a:latin typeface="方正兰亭圆简体_准" panose="02000000000000000000" pitchFamily="2" charset="-122"/>
-              <a:ea typeface="方正兰亭圆简体_准" panose="02000000000000000000" pitchFamily="2" charset="-122"/>
-            </a:endParaRPr>
           </a:p>
         </p:txBody>
       </p:sp>
@@ -10691,7 +10595,7 @@
         </p:xfrm>
         <a:graphic>
           <a:graphicData uri="http://schemas.openxmlformats.org/drawingml/2006/diagram">
-            <dgm:relIds xmlns:dgm="http://schemas.openxmlformats.org/drawingml/2006/diagram" xmlns:r="http://schemas.openxmlformats.org/officeDocument/2006/relationships" r:dm="rId1" r:lo="rId2" r:qs="rId3" r:cs="rId4"/>
+            <dgm:relIds xmlns:dgm="http://schemas.openxmlformats.org/drawingml/2006/diagram" xmlns:r="http://schemas.openxmlformats.org/officeDocument/2006/relationships" r:dm="rId3" r:lo="rId4" r:qs="rId5" r:cs="rId6"/>
           </a:graphicData>
         </a:graphic>
       </p:graphicFrame>
@@ -10700,13 +10604,13 @@
   <p:clrMapOvr>
     <a:masterClrMapping/>
   </p:clrMapOvr>
-  <mc:AlternateContent xmlns:mc="http://schemas.openxmlformats.org/markup-compatibility/2006">
-    <mc:Choice xmlns:p14="http://schemas.microsoft.com/office/powerpoint/2010/main" Requires="p14">
+  <mc:AlternateContent xmlns:mc="http://schemas.openxmlformats.org/markup-compatibility/2006" xmlns:p14="http://schemas.microsoft.com/office/powerpoint/2010/main">
+    <mc:Choice Requires="p14">
       <p:transition p14:dur="100" advClick="0" advTm="3000">
         <p:cut/>
       </p:transition>
     </mc:Choice>
-    <mc:Fallback>
+    <mc:Fallback xmlns="">
       <p:transition advClick="0" advTm="3000">
         <p:cut/>
       </p:transition>
@@ -10724,7 +10628,14 @@
         <p:cNvGrpSpPr/>
         <p:nvPr/>
       </p:nvGrpSpPr>
-      <p:grpSpPr/>
+      <p:grpSpPr>
+        <a:xfrm>
+          <a:off x="0" y="0"/>
+          <a:ext cx="0" cy="0"/>
+          <a:chOff x="0" y="0"/>
+          <a:chExt cx="0" cy="0"/>
+        </a:xfrm>
+      </p:grpSpPr>
       <p:sp>
         <p:nvSpPr>
           <p:cNvPr id="2" name="文本框 1"/>
@@ -10745,12 +10656,12 @@
           <a:bodyPr wrap="square" rtlCol="0">
             <a:spAutoFit/>
           </a:bodyPr>
+          <a:lstStyle/>
           <a:p>
             <a:r>
               <a:rPr lang="zh-CN" altLang="en-US" sz="3200"/>
               <a:t>口腔护理的重要性、目的</a:t>
             </a:r>
-            <a:endParaRPr lang="zh-CN" altLang="en-US" sz="3200"/>
           </a:p>
         </p:txBody>
       </p:sp>
@@ -10774,16 +10685,12 @@
           <a:bodyPr wrap="square" rtlCol="0" anchor="t">
             <a:spAutoFit/>
           </a:bodyPr>
+          <a:lstStyle/>
           <a:p>
             <a:r>
               <a:rPr lang="zh-CN" altLang="en-US"/>
-              <a:t>清洁口腔（刷牙可以帮助防止蛀牙和牙周疾病，以及防止口臭）</a:t>
-            </a:r>
-            <a:r>
-              <a:rPr lang="zh-CN" altLang="en-US"/>
-              <a:t>。</a:t>
-            </a:r>
-            <a:endParaRPr lang="zh-CN" altLang="en-US"/>
+              <a:t>清洁口腔（刷牙可以帮助防止蛀牙和牙周疾病，以及防止口臭）。</a:t>
+            </a:r>
           </a:p>
         </p:txBody>
       </p:sp>
@@ -10807,33 +10714,30 @@
           <a:bodyPr wrap="square" rtlCol="0" anchor="t">
             <a:spAutoFit/>
           </a:bodyPr>
+          <a:lstStyle/>
           <a:p>
             <a:r>
               <a:rPr lang="zh-CN" altLang="en-US"/>
               <a:t>保持口腔清洁和湿润</a:t>
             </a:r>
-            <a:endParaRPr lang="zh-CN" altLang="en-US"/>
           </a:p>
           <a:p>
             <a:r>
               <a:rPr lang="zh-CN" altLang="en-US"/>
               <a:t>增强咳嗽反射和吞咽反射</a:t>
             </a:r>
-            <a:endParaRPr lang="zh-CN" altLang="en-US"/>
           </a:p>
           <a:p>
             <a:r>
               <a:rPr lang="zh-CN" altLang="en-US"/>
               <a:t>维持和改善口腔功能可改善生活质量（饮食，说话，微笑）</a:t>
             </a:r>
-            <a:endParaRPr lang="zh-CN" altLang="en-US"/>
           </a:p>
           <a:p>
             <a:r>
               <a:rPr lang="zh-CN" altLang="en-US"/>
               <a:t>预防口腔细菌感染，包括吸入性肺炎</a:t>
             </a:r>
-            <a:endParaRPr lang="zh-CN" altLang="en-US"/>
           </a:p>
         </p:txBody>
       </p:sp>
@@ -10857,6 +10761,7 @@
           <a:bodyPr wrap="square" rtlCol="0" anchor="t">
             <a:spAutoFit/>
           </a:bodyPr>
+          <a:lstStyle/>
           <a:p>
             <a:r>
               <a:rPr lang="zh-CN" altLang="en-US"/>
@@ -10866,7 +10771,6 @@
               <a:rPr lang="en-US" altLang="zh-CN"/>
               <a:t>”</a:t>
             </a:r>
-            <a:endParaRPr lang="en-US" altLang="zh-CN"/>
           </a:p>
         </p:txBody>
       </p:sp>
@@ -10879,7 +10783,7 @@
           <p:nvPr/>
         </p:nvPicPr>
         <p:blipFill>
-          <a:blip r:embed="rId1"/>
+          <a:blip r:embed="rId3"/>
           <a:stretch>
             <a:fillRect/>
           </a:stretch>
@@ -10899,13 +10803,13 @@
   <p:clrMapOvr>
     <a:masterClrMapping/>
   </p:clrMapOvr>
-  <mc:AlternateContent xmlns:mc="http://schemas.openxmlformats.org/markup-compatibility/2006">
-    <mc:Choice xmlns:p14="http://schemas.microsoft.com/office/powerpoint/2010/main" Requires="p14">
+  <mc:AlternateContent xmlns:mc="http://schemas.openxmlformats.org/markup-compatibility/2006" xmlns:p14="http://schemas.microsoft.com/office/powerpoint/2010/main">
+    <mc:Choice Requires="p14">
       <p:transition p14:dur="100" advClick="0" advTm="3000">
         <p:cut/>
       </p:transition>
     </mc:Choice>
-    <mc:Fallback>
+    <mc:Fallback xmlns="">
       <p:transition advClick="0" advTm="3000">
         <p:cut/>
       </p:transition>
@@ -10972,22 +10876,6 @@
               </a:rPr>
               <a:t>1</a:t>
             </a:r>
-            <a:endParaRPr lang="en-US" altLang="zh-CN" sz="28700" dirty="0">
-              <a:solidFill>
-                <a:srgbClr val="000000"/>
-              </a:solidFill>
-              <a:effectLst>
-                <a:outerShdw blurRad="50800" dist="38100" dir="2700000" algn="tl" rotWithShape="0">
-                  <a:prstClr val="black">
-                    <a:alpha val="40000"/>
-                  </a:prstClr>
-                </a:outerShdw>
-              </a:effectLst>
-              <a:latin typeface="方正兰亭圆简体_准" panose="02000000000000000000" pitchFamily="2" charset="-122"/>
-              <a:ea typeface="方正兰亭圆简体_准" panose="02000000000000000000" pitchFamily="2" charset="-122"/>
-              <a:cs typeface="+mn-ea"/>
-              <a:sym typeface="+mn-lt"/>
-            </a:endParaRPr>
           </a:p>
         </p:txBody>
       </p:sp>
@@ -11165,7 +11053,7 @@
           <p:nvPr/>
         </p:nvPicPr>
         <p:blipFill>
-          <a:blip r:embed="rId1" cstate="print"/>
+          <a:blip r:embed="rId3" cstate="print"/>
           <a:stretch>
             <a:fillRect/>
           </a:stretch>
@@ -11217,18 +11105,6 @@
               </a:rPr>
               <a:t>材料准备</a:t>
             </a:r>
-            <a:endParaRPr lang="zh-CN" altLang="en-US" sz="5400" b="1" dirty="0">
-              <a:solidFill>
-                <a:schemeClr val="tx1">
-                  <a:lumMod val="75000"/>
-                  <a:lumOff val="25000"/>
-                </a:schemeClr>
-              </a:solidFill>
-              <a:latin typeface="方正兰亭圆简体_准" panose="02000000000000000000" pitchFamily="2" charset="-122"/>
-              <a:ea typeface="方正兰亭圆简体_准" panose="02000000000000000000" pitchFamily="2" charset="-122"/>
-              <a:cs typeface="+mn-ea"/>
-              <a:sym typeface="+mn-lt"/>
-            </a:endParaRPr>
           </a:p>
         </p:txBody>
       </p:sp>
@@ -11237,13 +11113,13 @@
   <p:clrMapOvr>
     <a:masterClrMapping/>
   </p:clrMapOvr>
-  <mc:AlternateContent xmlns:mc="http://schemas.openxmlformats.org/markup-compatibility/2006">
-    <mc:Choice xmlns:p14="http://schemas.microsoft.com/office/powerpoint/2010/main" Requires="p14">
+  <mc:AlternateContent xmlns:mc="http://schemas.openxmlformats.org/markup-compatibility/2006" xmlns:p14="http://schemas.microsoft.com/office/powerpoint/2010/main">
+    <mc:Choice Requires="p14">
       <p:transition p14:dur="100" advClick="0" advTm="3000">
         <p:cut/>
       </p:transition>
     </mc:Choice>
-    <mc:Fallback>
+    <mc:Fallback xmlns="">
       <p:transition advClick="0" advTm="3000">
         <p:cut/>
       </p:transition>
@@ -11363,10 +11239,6 @@
               </a:rPr>
               <a:t>材料准备</a:t>
             </a:r>
-            <a:endParaRPr lang="zh-CN" altLang="en-US" sz="4000" dirty="0">
-              <a:latin typeface="楷体" panose="02010609060101010101" charset="-122"/>
-              <a:ea typeface="楷体" panose="02010609060101010101" charset="-122"/>
-            </a:endParaRPr>
           </a:p>
         </p:txBody>
       </p:sp>
@@ -11416,13 +11288,6 @@
               </a:rPr>
               <a:t>杯子两个、清水、涑口水、软毛牙刷、海绵刷、舌刷</a:t>
             </a:r>
-            <a:endParaRPr lang="zh-CN" altLang="en-US" sz="2400" dirty="0">
-              <a:solidFill>
-                <a:schemeClr val="tx1"/>
-              </a:solidFill>
-              <a:latin typeface="楷体" panose="02010609060101010101" charset="-122"/>
-              <a:ea typeface="楷体" panose="02010609060101010101" charset="-122"/>
-            </a:endParaRPr>
           </a:p>
         </p:txBody>
       </p:sp>
@@ -11439,7 +11304,7 @@
           </p:nvPr>
         </p:nvPicPr>
         <p:blipFill>
-          <a:blip r:embed="rId2"/>
+          <a:blip r:embed="rId6"/>
           <a:srcRect l="1154" t="2417" r="49995" b="19213"/>
           <a:stretch>
             <a:fillRect/>
@@ -11484,10 +11349,6 @@
               </a:rPr>
               <a:t>海绵刷</a:t>
             </a:r>
-            <a:endParaRPr lang="zh-CN" altLang="en-US" sz="2800">
-              <a:latin typeface="楷体" panose="02010609060101010101" charset="-122"/>
-              <a:ea typeface="楷体" panose="02010609060101010101" charset="-122"/>
-            </a:endParaRPr>
           </a:p>
         </p:txBody>
       </p:sp>
@@ -11499,12 +11360,12 @@
           </p:cNvPicPr>
           <p:nvPr>
             <p:custDataLst>
-              <p:tags r:id="rId3"/>
+              <p:tags r:id="rId2"/>
             </p:custDataLst>
           </p:nvPr>
         </p:nvPicPr>
         <p:blipFill>
-          <a:blip r:embed="rId2"/>
+          <a:blip r:embed="rId6"/>
           <a:srcRect l="62754" t="3246" b="18126"/>
           <a:stretch>
             <a:fillRect/>
@@ -11549,10 +11410,6 @@
               </a:rPr>
               <a:t>舌刷</a:t>
             </a:r>
-            <a:endParaRPr lang="zh-CN" altLang="en-US" sz="2800">
-              <a:latin typeface="楷体" panose="02010609060101010101" charset="-122"/>
-              <a:ea typeface="楷体" panose="02010609060101010101" charset="-122"/>
-            </a:endParaRPr>
           </a:p>
         </p:txBody>
       </p:sp>
@@ -11564,12 +11421,12 @@
           </p:cNvPicPr>
           <p:nvPr>
             <p:custDataLst>
-              <p:tags r:id="rId4"/>
+              <p:tags r:id="rId3"/>
             </p:custDataLst>
           </p:nvPr>
         </p:nvPicPr>
         <p:blipFill>
-          <a:blip r:embed="rId5"/>
+          <a:blip r:embed="rId7"/>
           <a:stretch>
             <a:fillRect/>
           </a:stretch>
@@ -11593,7 +11450,7 @@
           <p:nvPr/>
         </p:nvPicPr>
         <p:blipFill>
-          <a:blip r:embed="rId6"/>
+          <a:blip r:embed="rId8"/>
           <a:stretch>
             <a:fillRect/>
           </a:stretch>
@@ -11617,7 +11474,7 @@
           <p:nvPr/>
         </p:nvPicPr>
         <p:blipFill>
-          <a:blip r:embed="rId7"/>
+          <a:blip r:embed="rId9"/>
           <a:stretch>
             <a:fillRect/>
           </a:stretch>
@@ -11637,13 +11494,13 @@
   <p:clrMapOvr>
     <a:masterClrMapping/>
   </p:clrMapOvr>
-  <mc:AlternateContent xmlns:mc="http://schemas.openxmlformats.org/markup-compatibility/2006">
-    <mc:Choice xmlns:p14="http://schemas.microsoft.com/office/powerpoint/2010/main" Requires="p14">
+  <mc:AlternateContent xmlns:mc="http://schemas.openxmlformats.org/markup-compatibility/2006" xmlns:p14="http://schemas.microsoft.com/office/powerpoint/2010/main">
+    <mc:Choice Requires="p14">
       <p:transition p14:dur="100" advClick="0" advTm="3000">
         <p:cut/>
       </p:transition>
     </mc:Choice>
-    <mc:Fallback>
+    <mc:Fallback xmlns="">
       <p:transition advClick="0" advTm="3000">
         <p:cut/>
       </p:transition>
@@ -11710,22 +11567,6 @@
               </a:rPr>
               <a:t>2</a:t>
             </a:r>
-            <a:endParaRPr lang="en-US" altLang="zh-CN" sz="28700" dirty="0">
-              <a:solidFill>
-                <a:srgbClr val="000000"/>
-              </a:solidFill>
-              <a:effectLst>
-                <a:outerShdw blurRad="50800" dist="38100" dir="2700000" algn="tl" rotWithShape="0">
-                  <a:prstClr val="black">
-                    <a:alpha val="40000"/>
-                  </a:prstClr>
-                </a:outerShdw>
-              </a:effectLst>
-              <a:latin typeface="方正兰亭圆简体_准" panose="02000000000000000000" pitchFamily="2" charset="-122"/>
-              <a:ea typeface="方正兰亭圆简体_准" panose="02000000000000000000" pitchFamily="2" charset="-122"/>
-              <a:cs typeface="+mn-ea"/>
-              <a:sym typeface="+mn-lt"/>
-            </a:endParaRPr>
           </a:p>
         </p:txBody>
       </p:sp>
@@ -11903,7 +11744,7 @@
           <p:nvPr/>
         </p:nvPicPr>
         <p:blipFill>
-          <a:blip r:embed="rId1" cstate="print"/>
+          <a:blip r:embed="rId3" cstate="print"/>
           <a:stretch>
             <a:fillRect/>
           </a:stretch>
@@ -11955,18 +11796,6 @@
               </a:rPr>
               <a:t>体位及步骤</a:t>
             </a:r>
-            <a:endParaRPr lang="zh-CN" altLang="en-US" sz="5400" b="1" dirty="0">
-              <a:solidFill>
-                <a:schemeClr val="tx1">
-                  <a:lumMod val="75000"/>
-                  <a:lumOff val="25000"/>
-                </a:schemeClr>
-              </a:solidFill>
-              <a:latin typeface="方正兰亭圆简体_准" panose="02000000000000000000" pitchFamily="2" charset="-122"/>
-              <a:ea typeface="方正兰亭圆简体_准" panose="02000000000000000000" pitchFamily="2" charset="-122"/>
-              <a:cs typeface="+mn-ea"/>
-              <a:sym typeface="+mn-lt"/>
-            </a:endParaRPr>
           </a:p>
         </p:txBody>
       </p:sp>
@@ -11975,13 +11804,13 @@
   <p:clrMapOvr>
     <a:masterClrMapping/>
   </p:clrMapOvr>
-  <mc:AlternateContent xmlns:mc="http://schemas.openxmlformats.org/markup-compatibility/2006">
-    <mc:Choice xmlns:p14="http://schemas.microsoft.com/office/powerpoint/2010/main" Requires="p14">
+  <mc:AlternateContent xmlns:mc="http://schemas.openxmlformats.org/markup-compatibility/2006" xmlns:p14="http://schemas.microsoft.com/office/powerpoint/2010/main">
+    <mc:Choice Requires="p14">
       <p:transition p14:dur="100" advClick="0" advTm="3000">
         <p:cut/>
       </p:transition>
     </mc:Choice>
-    <mc:Fallback>
+    <mc:Fallback xmlns="">
       <p:transition advClick="0" advTm="3000">
         <p:cut/>
       </p:transition>
@@ -12101,10 +11930,6 @@
               </a:rPr>
               <a:t>体位及步骤</a:t>
             </a:r>
-            <a:endParaRPr lang="zh-CN" altLang="en-US" sz="4000" dirty="0">
-              <a:latin typeface="楷体" panose="02010609060101010101" charset="-122"/>
-              <a:ea typeface="楷体" panose="02010609060101010101" charset="-122"/>
-            </a:endParaRPr>
           </a:p>
         </p:txBody>
       </p:sp>
@@ -12196,10 +12021,6 @@
               </a:rPr>
               <a:t>体位</a:t>
             </a:r>
-            <a:endParaRPr lang="zh-CN" altLang="en-US" sz="3200" dirty="0">
-              <a:latin typeface="楷体" panose="02010609060101010101" charset="-122"/>
-              <a:ea typeface="楷体" panose="02010609060101010101" charset="-122"/>
-            </a:endParaRPr>
           </a:p>
         </p:txBody>
       </p:sp>
@@ -12248,10 +12069,6 @@
               </a:rPr>
               <a:t>操作步骤</a:t>
             </a:r>
-            <a:endParaRPr lang="zh-CN" altLang="en-US" sz="3200" dirty="0">
-              <a:latin typeface="楷体" panose="02010609060101010101" charset="-122"/>
-              <a:ea typeface="楷体" panose="02010609060101010101" charset="-122"/>
-            </a:endParaRPr>
           </a:p>
         </p:txBody>
       </p:sp>
@@ -12264,7 +12081,7 @@
           <p:nvPr/>
         </p:nvPicPr>
         <p:blipFill>
-          <a:blip r:embed="rId1"/>
+          <a:blip r:embed="rId3"/>
           <a:stretch>
             <a:fillRect/>
           </a:stretch>
@@ -12284,13 +12101,13 @@
   <p:clrMapOvr>
     <a:masterClrMapping/>
   </p:clrMapOvr>
-  <mc:AlternateContent xmlns:mc="http://schemas.openxmlformats.org/markup-compatibility/2006">
-    <mc:Choice xmlns:p14="http://schemas.microsoft.com/office/powerpoint/2010/main" Requires="p14">
+  <mc:AlternateContent xmlns:mc="http://schemas.openxmlformats.org/markup-compatibility/2006" xmlns:p14="http://schemas.microsoft.com/office/powerpoint/2010/main">
+    <mc:Choice Requires="p14">
       <p:transition p14:dur="100" advClick="0" advTm="3000">
         <p:cut/>
       </p:transition>
     </mc:Choice>
-    <mc:Fallback>
+    <mc:Fallback xmlns="">
       <p:transition advClick="0" advTm="3000">
         <p:cut/>
       </p:transition>
@@ -12410,10 +12227,6 @@
               </a:rPr>
               <a:t>操作步骤</a:t>
             </a:r>
-            <a:endParaRPr lang="zh-CN" altLang="en-US" sz="4000" dirty="0">
-              <a:latin typeface="楷体" panose="02010609060101010101" charset="-122"/>
-              <a:ea typeface="楷体" panose="02010609060101010101" charset="-122"/>
-            </a:endParaRPr>
           </a:p>
         </p:txBody>
       </p:sp>
@@ -12473,13 +12286,6 @@
               </a:rPr>
               <a:t>一、检查</a:t>
             </a:r>
-            <a:endParaRPr lang="zh-CN" altLang="en-US" sz="2800" dirty="0">
-              <a:solidFill>
-                <a:schemeClr val="tx1"/>
-              </a:solidFill>
-              <a:latin typeface="楷体" panose="02010609060101010101" charset="-122"/>
-              <a:ea typeface="楷体" panose="02010609060101010101" charset="-122"/>
-            </a:endParaRPr>
           </a:p>
         </p:txBody>
       </p:sp>
@@ -12542,13 +12348,6 @@
               </a:rPr>
               <a:t>二、工具清洁</a:t>
             </a:r>
-            <a:endParaRPr lang="zh-CN" altLang="en-US" sz="2800" dirty="0">
-              <a:solidFill>
-                <a:schemeClr val="tx1"/>
-              </a:solidFill>
-              <a:latin typeface="楷体" panose="02010609060101010101" charset="-122"/>
-              <a:ea typeface="楷体" panose="02010609060101010101" charset="-122"/>
-            </a:endParaRPr>
           </a:p>
         </p:txBody>
       </p:sp>
@@ -12611,13 +12410,6 @@
               </a:rPr>
               <a:t>三、牙齿清洁</a:t>
             </a:r>
-            <a:endParaRPr lang="zh-CN" altLang="en-US" sz="2800" dirty="0">
-              <a:solidFill>
-                <a:schemeClr val="tx1"/>
-              </a:solidFill>
-              <a:latin typeface="楷体" panose="02010609060101010101" charset="-122"/>
-              <a:ea typeface="楷体" panose="02010609060101010101" charset="-122"/>
-            </a:endParaRPr>
           </a:p>
         </p:txBody>
       </p:sp>
@@ -12707,7 +12499,7 @@
           <p:nvPr/>
         </p:nvPicPr>
         <p:blipFill>
-          <a:blip r:embed="rId1"/>
+          <a:blip r:embed="rId3"/>
           <a:srcRect r="51622" b="58450"/>
           <a:stretch>
             <a:fillRect/>
@@ -12789,14 +12581,6 @@
               </a:rPr>
               <a:t>牙齿与舌之间的清洁</a:t>
             </a:r>
-            <a:endParaRPr lang="zh-CN" altLang="en-US" sz="2800" dirty="0">
-              <a:solidFill>
-                <a:schemeClr val="tx1"/>
-              </a:solidFill>
-              <a:latin typeface="楷体" panose="02010609060101010101" charset="-122"/>
-              <a:ea typeface="楷体" panose="02010609060101010101" charset="-122"/>
-              <a:sym typeface="+mn-ea"/>
-            </a:endParaRPr>
           </a:p>
         </p:txBody>
       </p:sp>
@@ -12855,13 +12639,6 @@
               </a:rPr>
               <a:t>六、舌头的清洁</a:t>
             </a:r>
-            <a:endParaRPr lang="zh-CN" altLang="en-US" sz="2800" dirty="0">
-              <a:solidFill>
-                <a:schemeClr val="tx1"/>
-              </a:solidFill>
-              <a:latin typeface="楷体" panose="02010609060101010101" charset="-122"/>
-              <a:ea typeface="楷体" panose="02010609060101010101" charset="-122"/>
-            </a:endParaRPr>
           </a:p>
         </p:txBody>
       </p:sp>
@@ -12920,13 +12697,6 @@
               </a:rPr>
               <a:t>七、上腭清洁</a:t>
             </a:r>
-            <a:endParaRPr lang="zh-CN" altLang="en-US" sz="2800" dirty="0">
-              <a:solidFill>
-                <a:schemeClr val="tx1"/>
-              </a:solidFill>
-              <a:latin typeface="楷体" panose="02010609060101010101" charset="-122"/>
-              <a:ea typeface="楷体" panose="02010609060101010101" charset="-122"/>
-            </a:endParaRPr>
           </a:p>
         </p:txBody>
       </p:sp>
@@ -12939,7 +12709,7 @@
           <p:nvPr/>
         </p:nvPicPr>
         <p:blipFill>
-          <a:blip r:embed="rId1"/>
+          <a:blip r:embed="rId3"/>
           <a:srcRect l="49317" b="56768"/>
           <a:stretch>
             <a:fillRect/>
@@ -12964,7 +12734,7 @@
           <p:nvPr/>
         </p:nvPicPr>
         <p:blipFill>
-          <a:blip r:embed="rId1"/>
+          <a:blip r:embed="rId3"/>
           <a:srcRect l="23972" t="52532" r="23966" b="9018"/>
           <a:stretch>
             <a:fillRect/>
@@ -12985,13 +12755,13 @@
   <p:clrMapOvr>
     <a:masterClrMapping/>
   </p:clrMapOvr>
-  <mc:AlternateContent xmlns:mc="http://schemas.openxmlformats.org/markup-compatibility/2006">
-    <mc:Choice xmlns:p14="http://schemas.microsoft.com/office/powerpoint/2010/main" Requires="p14">
+  <mc:AlternateContent xmlns:mc="http://schemas.openxmlformats.org/markup-compatibility/2006" xmlns:p14="http://schemas.microsoft.com/office/powerpoint/2010/main">
+    <mc:Choice Requires="p14">
       <p:transition p14:dur="100" advClick="0" advTm="3000">
         <p:cut/>
       </p:transition>
     </mc:Choice>
-    <mc:Fallback>
+    <mc:Fallback xmlns="">
       <p:transition advClick="0" advTm="3000">
         <p:cut/>
       </p:transition>
@@ -13009,7 +12779,14 @@
         <p:cNvGrpSpPr/>
         <p:nvPr/>
       </p:nvGrpSpPr>
-      <p:grpSpPr/>
+      <p:grpSpPr>
+        <a:xfrm>
+          <a:off x="0" y="0"/>
+          <a:ext cx="0" cy="0"/>
+          <a:chOff x="0" y="0"/>
+          <a:chExt cx="0" cy="0"/>
+        </a:xfrm>
+      </p:grpSpPr>
       <p:sp>
         <p:nvSpPr>
           <p:cNvPr id="2" name="文本框 1"/>
@@ -13030,26 +12807,24 @@
           <a:bodyPr wrap="square" rtlCol="0" anchor="t">
             <a:spAutoFit/>
           </a:bodyPr>
+          <a:lstStyle/>
           <a:p>
             <a:r>
               <a:rPr lang="zh-CN" altLang="en-US"/>
               <a:t>清洁牙齿</a:t>
             </a:r>
-            <a:endParaRPr lang="zh-CN" altLang="en-US"/>
           </a:p>
           <a:p>
             <a:r>
               <a:rPr lang="zh-CN" altLang="en-US"/>
               <a:t>如果可以自己拿牙刷</a:t>
             </a:r>
-            <a:endParaRPr lang="zh-CN" altLang="en-US"/>
           </a:p>
           <a:p>
             <a:r>
               <a:rPr lang="zh-CN" altLang="en-US"/>
               <a:t>鼓励自己尽可能刷牙。如果您不能举起肘部，则只能支撑该部分，或者如果手腕转动不正常，则可以使用电动牙刷。</a:t>
             </a:r>
-            <a:endParaRPr lang="zh-CN" altLang="en-US"/>
           </a:p>
         </p:txBody>
       </p:sp>
@@ -13073,19 +12848,18 @@
           <a:bodyPr wrap="square" rtlCol="0" anchor="t">
             <a:spAutoFit/>
           </a:bodyPr>
+          <a:lstStyle/>
           <a:p>
             <a:r>
               <a:rPr lang="zh-CN" altLang="en-US"/>
               <a:t>如果需要协助</a:t>
             </a:r>
-            <a:endParaRPr lang="zh-CN" altLang="en-US"/>
           </a:p>
           <a:p>
             <a:r>
               <a:rPr lang="zh-CN" altLang="en-US"/>
               <a:t>用与牙刷相反的手指，张开嘴唇和脸颊以确保视野</a:t>
             </a:r>
-            <a:endParaRPr lang="zh-CN" altLang="en-US"/>
           </a:p>
         </p:txBody>
       </p:sp>
@@ -13109,6 +12883,7 @@
           <a:bodyPr wrap="square" rtlCol="0" anchor="t">
             <a:spAutoFit/>
           </a:bodyPr>
+          <a:lstStyle/>
           <a:p>
             <a:r>
               <a:rPr lang="zh-CN" altLang="en-US"/>
@@ -13124,7 +12899,6 @@
               <a:rPr lang="zh-CN" altLang="en-US"/>
               <a:t>或棉签将其擦去。护理人员戴着一次性手套，将消毒纱布包裹在手指上，用水或漱口水润湿，挤出多余的水，然后擦去口腔中的污垢。用湿棉签清洁细节</a:t>
             </a:r>
-            <a:endParaRPr lang="zh-CN" altLang="en-US"/>
           </a:p>
         </p:txBody>
       </p:sp>
@@ -13137,7 +12911,7 @@
           <p:nvPr/>
         </p:nvPicPr>
         <p:blipFill>
-          <a:blip r:embed="rId1"/>
+          <a:blip r:embed="rId2"/>
           <a:stretch>
             <a:fillRect/>
           </a:stretch>
@@ -13161,7 +12935,7 @@
           <p:nvPr/>
         </p:nvPicPr>
         <p:blipFill>
-          <a:blip r:embed="rId2"/>
+          <a:blip r:embed="rId3"/>
           <a:stretch>
             <a:fillRect/>
           </a:stretch>
@@ -13181,13 +12955,13 @@
   <p:clrMapOvr>
     <a:masterClrMapping/>
   </p:clrMapOvr>
-  <mc:AlternateContent xmlns:mc="http://schemas.openxmlformats.org/markup-compatibility/2006">
-    <mc:Choice xmlns:p14="http://schemas.microsoft.com/office/powerpoint/2010/main" Requires="p14">
+  <mc:AlternateContent xmlns:mc="http://schemas.openxmlformats.org/markup-compatibility/2006" xmlns:p14="http://schemas.microsoft.com/office/powerpoint/2010/main">
+    <mc:Choice Requires="p14">
       <p:transition p14:dur="100" advClick="0" advTm="3000">
         <p:cut/>
       </p:transition>
     </mc:Choice>
-    <mc:Fallback>
+    <mc:Fallback xmlns="">
       <p:transition advClick="0" advTm="3000">
         <p:cut/>
       </p:transition>
@@ -13197,45 +12971,45 @@
 </file>
 
 <file path=ppt/tags/tag1.xml><?xml version="1.0" encoding="utf-8"?>
-<p:tagLst xmlns:p="http://schemas.openxmlformats.org/presentationml/2006/main">
+<p:tagLst xmlns:a="http://schemas.openxmlformats.org/drawingml/2006/main" xmlns:r="http://schemas.openxmlformats.org/officeDocument/2006/relationships" xmlns:p="http://schemas.openxmlformats.org/presentationml/2006/main">
+  <p:tag name="ISPRING_RESOURCE_PATHS_HASH_PRESENTER" val="1cfe325ac88af4cb1e315171a86c19382325f4f"/>
+  <p:tag name="ISLIDE.GUIDESSETTING" val="{&quot;Id&quot;:&quot;GuidesStyle_None&quot;,&quot;Name&quot;:&quot;无&quot;,&quot;HeaderHeight&quot;:5.9999999999999947,&quot;FooterHeight&quot;:6.5999999999999925,&quot;SideMargin&quot;:8.999999999999984,&quot;TopMargin&quot;:6.6999999999999922,&quot;BottomMargin&quot;:0.0,&quot;IntervalMargin&quot;:0.099999999999999367}"/>
+</p:tagLst>
+</file>
+
+<file path=ppt/tags/tag2.xml><?xml version="1.0" encoding="utf-8"?>
+<p:tagLst xmlns:a="http://schemas.openxmlformats.org/drawingml/2006/main" xmlns:r="http://schemas.openxmlformats.org/officeDocument/2006/relationships" xmlns:p="http://schemas.openxmlformats.org/presentationml/2006/main">
   <p:tag name="PA" val="v5.1.0"/>
 </p:tagLst>
 </file>
 
-<file path=ppt/tags/tag2.xml><?xml version="1.0" encoding="utf-8"?>
-<p:tagLst xmlns:p="http://schemas.openxmlformats.org/presentationml/2006/main">
+<file path=ppt/tags/tag3.xml><?xml version="1.0" encoding="utf-8"?>
+<p:tagLst xmlns:a="http://schemas.openxmlformats.org/drawingml/2006/main" xmlns:r="http://schemas.openxmlformats.org/officeDocument/2006/relationships" xmlns:p="http://schemas.openxmlformats.org/presentationml/2006/main">
   <p:tag name="KSO_WM_UNIT_PLACING_PICTURE_USER_VIEWPORT" val="{&quot;height&quot;:3898,&quot;width&quot;:5079}"/>
 </p:tagLst>
 </file>
 
-<file path=ppt/tags/tag3.xml><?xml version="1.0" encoding="utf-8"?>
-<p:tagLst xmlns:p="http://schemas.openxmlformats.org/presentationml/2006/main">
+<file path=ppt/tags/tag4.xml><?xml version="1.0" encoding="utf-8"?>
+<p:tagLst xmlns:a="http://schemas.openxmlformats.org/drawingml/2006/main" xmlns:r="http://schemas.openxmlformats.org/officeDocument/2006/relationships" xmlns:p="http://schemas.openxmlformats.org/presentationml/2006/main">
   <p:tag name="KSO_WM_UNIT_PLACING_PICTURE_USER_VIEWPORT" val="{&quot;height&quot;:3730,&quot;width&quot;:4958}"/>
 </p:tagLst>
 </file>
 
-<file path=ppt/tags/tag4.xml><?xml version="1.0" encoding="utf-8"?>
-<p:tagLst xmlns:p="http://schemas.openxmlformats.org/presentationml/2006/main">
+<file path=ppt/tags/tag5.xml><?xml version="1.0" encoding="utf-8"?>
+<p:tagLst xmlns:a="http://schemas.openxmlformats.org/drawingml/2006/main" xmlns:r="http://schemas.openxmlformats.org/officeDocument/2006/relationships" xmlns:p="http://schemas.openxmlformats.org/presentationml/2006/main">
   <p:tag name="KSO_WM_UNIT_PLACING_PICTURE_USER_VIEWPORT" val="{&quot;height&quot;:7900,&quot;width&quot;:13190}"/>
 </p:tagLst>
 </file>
 
-<file path=ppt/tags/tag5.xml><?xml version="1.0" encoding="utf-8"?>
-<p:tagLst xmlns:p="http://schemas.openxmlformats.org/presentationml/2006/main">
-  <p:tag name="PA" val="v5.1.0"/>
-</p:tagLst>
-</file>
-
 <file path=ppt/tags/tag6.xml><?xml version="1.0" encoding="utf-8"?>
-<p:tagLst xmlns:p="http://schemas.openxmlformats.org/presentationml/2006/main">
+<p:tagLst xmlns:a="http://schemas.openxmlformats.org/drawingml/2006/main" xmlns:r="http://schemas.openxmlformats.org/officeDocument/2006/relationships" xmlns:p="http://schemas.openxmlformats.org/presentationml/2006/main">
   <p:tag name="PA" val="v5.1.0"/>
 </p:tagLst>
 </file>
 
 <file path=ppt/tags/tag7.xml><?xml version="1.0" encoding="utf-8"?>
-<p:tagLst xmlns:p="http://schemas.openxmlformats.org/presentationml/2006/main">
-  <p:tag name="ISPRING_RESOURCE_PATHS_HASH_PRESENTER" val="1cfe325ac88af4cb1e315171a86c19382325f4f"/>
-  <p:tag name="ISLIDE.GUIDESSETTING" val="{&quot;Id&quot;:&quot;GuidesStyle_None&quot;,&quot;Name&quot;:&quot;无&quot;,&quot;HeaderHeight&quot;:5.9999999999999947,&quot;FooterHeight&quot;:6.5999999999999925,&quot;SideMargin&quot;:8.999999999999984,&quot;TopMargin&quot;:6.6999999999999922,&quot;BottomMargin&quot;:0.0,&quot;IntervalMargin&quot;:0.099999999999999367}"/>
+<p:tagLst xmlns:a="http://schemas.openxmlformats.org/drawingml/2006/main" xmlns:r="http://schemas.openxmlformats.org/officeDocument/2006/relationships" xmlns:p="http://schemas.openxmlformats.org/presentationml/2006/main">
+  <p:tag name="PA" val="v5.1.0"/>
 </p:tagLst>
 </file>
 
@@ -13518,6 +13292,7 @@
       </a:lstStyle>
     </a:spDef>
   </a:objectDefaults>
+  <a:extraClrSchemeLst/>
   <a:extLst>
     <a:ext uri="{05A4C25C-085E-4340-85A3-A5531E510DB2}">
       <thm15:themeFamily xmlns:thm15="http://schemas.microsoft.com/office/thememl/2012/main" name="Office Theme" id="{62F939B6-93AF-4DB8-9C6B-D6C7DFDC589F}" vid="{4A3C46E8-61CC-4603-A589-7422A47A8E4A}"/>
@@ -13717,6 +13492,8 @@
       </a:bgFillStyleLst>
     </a:fmtScheme>
   </a:themeElements>
+  <a:objectDefaults/>
+  <a:extraClrSchemeLst/>
   <a:extLst>
     <a:ext uri="{05A4C25C-085E-4340-85A3-A5531E510DB2}">
       <thm15:themeFamily xmlns:thm15="http://schemas.microsoft.com/office/thememl/2012/main" name="Office Theme" id="{62F939B6-93AF-4DB8-9C6B-D6C7DFDC589F}" vid="{4A3C46E8-61CC-4603-A589-7422A47A8E4A}"/>
@@ -13976,6 +13753,8 @@
       </a:bgFillStyleLst>
     </a:fmtScheme>
   </a:themeElements>
+  <a:objectDefaults/>
+  <a:extraClrSchemeLst/>
   <a:extLst>
     <a:ext uri="{05A4C25C-085E-4340-85A3-A5531E510DB2}">
       <thm15:themeFamily xmlns:thm15="http://schemas.microsoft.com/office/thememl/2012/main" name="Office Theme" id="{62F939B6-93AF-4DB8-9C6B-D6C7DFDC589F}" vid="{4A3C46E8-61CC-4603-A589-7422A47A8E4A}"/>
@@ -14235,6 +14014,8 @@
       </a:bgFillStyleLst>
     </a:fmtScheme>
   </a:themeElements>
+  <a:objectDefaults/>
+  <a:extraClrSchemeLst/>
   <a:extLst>
     <a:ext uri="{05A4C25C-085E-4340-85A3-A5531E510DB2}">
       <thm15:themeFamily xmlns:thm15="http://schemas.microsoft.com/office/thememl/2012/main" name="Office Theme" id="{62F939B6-93AF-4DB8-9C6B-D6C7DFDC589F}" vid="{4A3C46E8-61CC-4603-A589-7422A47A8E4A}"/>

--- a/9.29口腔护理(1)(1).pptx
+++ b/9.29口腔护理(1)(1).pptx
@@ -3496,6 +3496,20 @@
           </a:p>
           <a:p>
             <a:r>
+              <a:rPr lang="zh-CN" altLang="en-US" dirty="0">
+                <a:solidFill>
+                  <a:schemeClr val="accent4"/>
+                </a:solidFill>
+                <a:effectLst/>
+                <a:latin typeface="楷体" panose="02010609060101010101" charset="-122"/>
+                <a:ea typeface="楷体" panose="02010609060101010101" charset="-122"/>
+                <a:sym typeface="+mn-ea"/>
+              </a:rPr>
+              <a:t>修改测试</a:t>
+            </a:r>
+          </a:p>
+          <a:p>
+            <a:r>
               <a:rPr lang="zh-CN" altLang="en-US">
                 <a:solidFill>
                   <a:schemeClr val="accent4"/>
@@ -3505,19 +3519,8 @@
                 <a:ea typeface="楷体" panose="02010609060101010101" charset="-122"/>
                 <a:sym typeface="+mn-ea"/>
               </a:rPr>
-              <a:t>修改测试</a:t>
-            </a:r>
-            <a:endParaRPr lang="zh-CN" altLang="en-US" dirty="0">
-              <a:solidFill>
-                <a:schemeClr val="accent4"/>
-              </a:solidFill>
-              <a:effectLst/>
-              <a:latin typeface="楷体" panose="02010609060101010101" charset="-122"/>
-              <a:ea typeface="楷体" panose="02010609060101010101" charset="-122"/>
-              <a:sym typeface="+mn-ea"/>
-            </a:endParaRPr>
-          </a:p>
-          <a:p>
+              <a:t>修改测试。。。</a:t>
+            </a:r>
             <a:endParaRPr lang="zh-CN" altLang="en-US" dirty="0">
               <a:solidFill>
                 <a:schemeClr val="accent4"/>
